--- a/Resources/Python_AEET.pptx
+++ b/Resources/Python_AEET.pptx
@@ -17,13 +17,13 @@
     <p:sldId id="366" r:id="rId8"/>
     <p:sldId id="367" r:id="rId9"/>
     <p:sldId id="368" r:id="rId10"/>
-    <p:sldId id="369" r:id="rId11"/>
-    <p:sldId id="370" r:id="rId12"/>
-    <p:sldId id="372" r:id="rId13"/>
-    <p:sldId id="371" r:id="rId14"/>
-    <p:sldId id="377" r:id="rId15"/>
-    <p:sldId id="373" r:id="rId16"/>
-    <p:sldId id="374" r:id="rId17"/>
+    <p:sldId id="391" r:id="rId11"/>
+    <p:sldId id="369" r:id="rId12"/>
+    <p:sldId id="370" r:id="rId13"/>
+    <p:sldId id="372" r:id="rId14"/>
+    <p:sldId id="371" r:id="rId15"/>
+    <p:sldId id="377" r:id="rId16"/>
+    <p:sldId id="373" r:id="rId17"/>
     <p:sldId id="375" r:id="rId18"/>
     <p:sldId id="376" r:id="rId19"/>
     <p:sldId id="378" r:id="rId20"/>
@@ -1003,7 +1003,7 @@
           <a:p>
             <a:fld id="{94D2A2C7-9F54-41F8-95BF-A879704A4CE2}" type="slidenum">
               <a:rPr lang="en-US" smtClean="0"/>
-              <a:t>11</a:t>
+              <a:t>12</a:t>
             </a:fld>
             <a:endParaRPr lang="en-US"/>
           </a:p>
@@ -1435,7 +1435,7 @@
           <a:p>
             <a:fld id="{94D2A2C7-9F54-41F8-95BF-A879704A4CE2}" type="slidenum">
               <a:rPr lang="en-US" smtClean="0"/>
-              <a:t>12</a:t>
+              <a:t>13</a:t>
             </a:fld>
             <a:endParaRPr lang="en-US"/>
           </a:p>
@@ -1902,7 +1902,7 @@
           <a:p>
             <a:fld id="{94D2A2C7-9F54-41F8-95BF-A879704A4CE2}" type="slidenum">
               <a:rPr lang="en-US" smtClean="0"/>
-              <a:t>13</a:t>
+              <a:t>14</a:t>
             </a:fld>
             <a:endParaRPr lang="en-US"/>
           </a:p>
@@ -2369,7 +2369,7 @@
           <a:p>
             <a:fld id="{94D2A2C7-9F54-41F8-95BF-A879704A4CE2}" type="slidenum">
               <a:rPr lang="en-US" smtClean="0"/>
-              <a:t>14</a:t>
+              <a:t>15</a:t>
             </a:fld>
             <a:endParaRPr lang="en-US"/>
           </a:p>
@@ -2481,7 +2481,7 @@
           <a:p>
             <a:fld id="{94D2A2C7-9F54-41F8-95BF-A879704A4CE2}" type="slidenum">
               <a:rPr lang="en-US" smtClean="0"/>
-              <a:t>15</a:t>
+              <a:t>16</a:t>
             </a:fld>
             <a:endParaRPr lang="en-US"/>
           </a:p>
@@ -2565,7 +2565,7 @@
           <a:p>
             <a:fld id="{94D2A2C7-9F54-41F8-95BF-A879704A4CE2}" type="slidenum">
               <a:rPr lang="en-US" smtClean="0"/>
-              <a:t>16</a:t>
+              <a:t>17</a:t>
             </a:fld>
             <a:endParaRPr lang="en-US"/>
           </a:p>
@@ -2574,7 +2574,7 @@
     </p:spTree>
     <p:extLst>
       <p:ext uri="{BB962C8B-B14F-4D97-AF65-F5344CB8AC3E}">
-        <p14:creationId xmlns:p14="http://schemas.microsoft.com/office/powerpoint/2010/main" val="810472722"/>
+        <p14:creationId xmlns:p14="http://schemas.microsoft.com/office/powerpoint/2010/main" val="2280110011"/>
       </p:ext>
     </p:extLst>
   </p:cSld>
@@ -2649,7 +2649,7 @@
           <a:p>
             <a:fld id="{94D2A2C7-9F54-41F8-95BF-A879704A4CE2}" type="slidenum">
               <a:rPr lang="en-US" smtClean="0"/>
-              <a:t>17</a:t>
+              <a:t>18</a:t>
             </a:fld>
             <a:endParaRPr lang="en-US"/>
           </a:p>
@@ -2658,7 +2658,7 @@
     </p:spTree>
     <p:extLst>
       <p:ext uri="{BB962C8B-B14F-4D97-AF65-F5344CB8AC3E}">
-        <p14:creationId xmlns:p14="http://schemas.microsoft.com/office/powerpoint/2010/main" val="2280110011"/>
+        <p14:creationId xmlns:p14="http://schemas.microsoft.com/office/powerpoint/2010/main" val="4241600143"/>
       </p:ext>
     </p:extLst>
   </p:cSld>
@@ -2733,7 +2733,7 @@
           <a:p>
             <a:fld id="{94D2A2C7-9F54-41F8-95BF-A879704A4CE2}" type="slidenum">
               <a:rPr lang="en-US" smtClean="0"/>
-              <a:t>18</a:t>
+              <a:t>19</a:t>
             </a:fld>
             <a:endParaRPr lang="en-US"/>
           </a:p>
@@ -2742,7 +2742,7 @@
     </p:spTree>
     <p:extLst>
       <p:ext uri="{BB962C8B-B14F-4D97-AF65-F5344CB8AC3E}">
-        <p14:creationId xmlns:p14="http://schemas.microsoft.com/office/powerpoint/2010/main" val="4241600143"/>
+        <p14:creationId xmlns:p14="http://schemas.microsoft.com/office/powerpoint/2010/main" val="1450627773"/>
       </p:ext>
     </p:extLst>
   </p:cSld>
@@ -2817,7 +2817,7 @@
           <a:p>
             <a:fld id="{94D2A2C7-9F54-41F8-95BF-A879704A4CE2}" type="slidenum">
               <a:rPr lang="en-US" smtClean="0"/>
-              <a:t>19</a:t>
+              <a:t>20</a:t>
             </a:fld>
             <a:endParaRPr lang="en-US"/>
           </a:p>
@@ -2826,7 +2826,7 @@
     </p:spTree>
     <p:extLst>
       <p:ext uri="{BB962C8B-B14F-4D97-AF65-F5344CB8AC3E}">
-        <p14:creationId xmlns:p14="http://schemas.microsoft.com/office/powerpoint/2010/main" val="1450627773"/>
+        <p14:creationId xmlns:p14="http://schemas.microsoft.com/office/powerpoint/2010/main" val="2421975602"/>
       </p:ext>
     </p:extLst>
   </p:cSld>
@@ -2901,7 +2901,7 @@
           <a:p>
             <a:fld id="{94D2A2C7-9F54-41F8-95BF-A879704A4CE2}" type="slidenum">
               <a:rPr lang="en-US" smtClean="0"/>
-              <a:t>20</a:t>
+              <a:t>21</a:t>
             </a:fld>
             <a:endParaRPr lang="en-US"/>
           </a:p>
@@ -2910,7 +2910,7 @@
     </p:spTree>
     <p:extLst>
       <p:ext uri="{BB962C8B-B14F-4D97-AF65-F5344CB8AC3E}">
-        <p14:creationId xmlns:p14="http://schemas.microsoft.com/office/powerpoint/2010/main" val="2421975602"/>
+        <p14:creationId xmlns:p14="http://schemas.microsoft.com/office/powerpoint/2010/main" val="976381912"/>
       </p:ext>
     </p:extLst>
   </p:cSld>
@@ -2995,7 +2995,6 @@
               <a:rPr lang="es-ES" baseline="0" dirty="0" smtClean="0"/>
               <a:t> como de R!</a:t>
             </a:r>
-            <a:endParaRPr lang="es-ES" baseline="0" dirty="0" smtClean="0"/>
           </a:p>
         </p:txBody>
       </p:sp>
@@ -3100,7 +3099,7 @@
           <a:p>
             <a:fld id="{94D2A2C7-9F54-41F8-95BF-A879704A4CE2}" type="slidenum">
               <a:rPr lang="en-US" smtClean="0"/>
-              <a:t>21</a:t>
+              <a:t>22</a:t>
             </a:fld>
             <a:endParaRPr lang="en-US"/>
           </a:p>
@@ -3109,7 +3108,7 @@
     </p:spTree>
     <p:extLst>
       <p:ext uri="{BB962C8B-B14F-4D97-AF65-F5344CB8AC3E}">
-        <p14:creationId xmlns:p14="http://schemas.microsoft.com/office/powerpoint/2010/main" val="976381912"/>
+        <p14:creationId xmlns:p14="http://schemas.microsoft.com/office/powerpoint/2010/main" val="1723587626"/>
       </p:ext>
     </p:extLst>
   </p:cSld>
@@ -3184,7 +3183,7 @@
           <a:p>
             <a:fld id="{94D2A2C7-9F54-41F8-95BF-A879704A4CE2}" type="slidenum">
               <a:rPr lang="en-US" smtClean="0"/>
-              <a:t>22</a:t>
+              <a:t>23</a:t>
             </a:fld>
             <a:endParaRPr lang="en-US"/>
           </a:p>
@@ -3193,7 +3192,7 @@
     </p:spTree>
     <p:extLst>
       <p:ext uri="{BB962C8B-B14F-4D97-AF65-F5344CB8AC3E}">
-        <p14:creationId xmlns:p14="http://schemas.microsoft.com/office/powerpoint/2010/main" val="1723587626"/>
+        <p14:creationId xmlns:p14="http://schemas.microsoft.com/office/powerpoint/2010/main" val="2536322081"/>
       </p:ext>
     </p:extLst>
   </p:cSld>
@@ -3268,7 +3267,7 @@
           <a:p>
             <a:fld id="{94D2A2C7-9F54-41F8-95BF-A879704A4CE2}" type="slidenum">
               <a:rPr lang="en-US" smtClean="0"/>
-              <a:t>23</a:t>
+              <a:t>24</a:t>
             </a:fld>
             <a:endParaRPr lang="en-US"/>
           </a:p>
@@ -3277,7 +3276,7 @@
     </p:spTree>
     <p:extLst>
       <p:ext uri="{BB962C8B-B14F-4D97-AF65-F5344CB8AC3E}">
-        <p14:creationId xmlns:p14="http://schemas.microsoft.com/office/powerpoint/2010/main" val="2536322081"/>
+        <p14:creationId xmlns:p14="http://schemas.microsoft.com/office/powerpoint/2010/main" val="776472056"/>
       </p:ext>
     </p:extLst>
   </p:cSld>
@@ -3331,6 +3330,114 @@
           <a:bodyPr/>
           <a:lstStyle/>
           <a:p>
+            <a:r>
+              <a:rPr lang="en-US" dirty="0" smtClean="0"/>
+              <a:t>La </a:t>
+            </a:r>
+            <a:r>
+              <a:rPr lang="en-US" dirty="0" err="1" smtClean="0"/>
+              <a:t>libreria</a:t>
+            </a:r>
+            <a:r>
+              <a:rPr lang="en-US" dirty="0" smtClean="0"/>
+              <a:t> </a:t>
+            </a:r>
+            <a:r>
+              <a:rPr lang="en-US" dirty="0" err="1" smtClean="0"/>
+              <a:t>seaborn</a:t>
+            </a:r>
+            <a:r>
+              <a:rPr lang="en-US" dirty="0" smtClean="0"/>
+              <a:t> </a:t>
+            </a:r>
+            <a:r>
+              <a:rPr lang="en-US" dirty="0" err="1" smtClean="0"/>
+              <a:t>es</a:t>
+            </a:r>
+            <a:r>
+              <a:rPr lang="en-US" baseline="0" dirty="0" smtClean="0"/>
+              <a:t> </a:t>
+            </a:r>
+            <a:r>
+              <a:rPr lang="en-US" baseline="0" dirty="0" err="1" smtClean="0"/>
+              <a:t>capaz</a:t>
+            </a:r>
+            <a:r>
+              <a:rPr lang="en-US" baseline="0" dirty="0" smtClean="0"/>
+              <a:t> </a:t>
+            </a:r>
+            <a:r>
+              <a:rPr lang="en-US" baseline="0" dirty="0" err="1" smtClean="0"/>
+              <a:t>ded</a:t>
+            </a:r>
+            <a:r>
+              <a:rPr lang="en-US" baseline="0" dirty="0" smtClean="0"/>
+              <a:t> </a:t>
+            </a:r>
+            <a:r>
+              <a:rPr lang="en-US" baseline="0" dirty="0" err="1" smtClean="0"/>
+              <a:t>hacer</a:t>
+            </a:r>
+            <a:r>
+              <a:rPr lang="en-US" baseline="0" dirty="0" smtClean="0"/>
+              <a:t> </a:t>
+            </a:r>
+            <a:r>
+              <a:rPr lang="en-US" baseline="0" dirty="0" err="1" smtClean="0"/>
+              <a:t>por</a:t>
+            </a:r>
+            <a:r>
+              <a:rPr lang="en-US" baseline="0" dirty="0" smtClean="0"/>
+              <a:t> </a:t>
+            </a:r>
+            <a:r>
+              <a:rPr lang="en-US" baseline="0" dirty="0" err="1" smtClean="0"/>
+              <a:t>si</a:t>
+            </a:r>
+            <a:r>
+              <a:rPr lang="en-US" baseline="0" dirty="0" smtClean="0"/>
+              <a:t> </a:t>
+            </a:r>
+            <a:r>
+              <a:rPr lang="en-US" baseline="0" dirty="0" err="1" smtClean="0"/>
+              <a:t>misma</a:t>
+            </a:r>
+            <a:r>
+              <a:rPr lang="en-US" baseline="0" dirty="0" smtClean="0"/>
+              <a:t> calculus </a:t>
+            </a:r>
+            <a:r>
+              <a:rPr lang="en-US" baseline="0" dirty="0" err="1" smtClean="0"/>
+              <a:t>por</a:t>
+            </a:r>
+            <a:r>
+              <a:rPr lang="en-US" baseline="0" dirty="0" smtClean="0"/>
+              <a:t> </a:t>
+            </a:r>
+            <a:r>
+              <a:rPr lang="en-US" baseline="0" dirty="0" err="1" smtClean="0"/>
+              <a:t>categorias</a:t>
+            </a:r>
+            <a:r>
+              <a:rPr lang="en-US" baseline="0" dirty="0" smtClean="0"/>
+              <a:t> (medias, </a:t>
+            </a:r>
+            <a:r>
+              <a:rPr lang="en-US" baseline="0" dirty="0" err="1" smtClean="0"/>
+              <a:t>desviaciones</a:t>
+            </a:r>
+            <a:r>
+              <a:rPr lang="en-US" baseline="0" dirty="0" smtClean="0"/>
+              <a:t> </a:t>
+            </a:r>
+            <a:r>
+              <a:rPr lang="en-US" baseline="0" dirty="0" err="1" smtClean="0"/>
+              <a:t>etc</a:t>
+            </a:r>
+            <a:r>
+              <a:rPr lang="en-US" baseline="0" dirty="0" smtClean="0"/>
+              <a:t>)</a:t>
+            </a:r>
             <a:endParaRPr lang="en-US" dirty="0"/>
           </a:p>
         </p:txBody>
@@ -3352,7 +3459,7 @@
           <a:p>
             <a:fld id="{94D2A2C7-9F54-41F8-95BF-A879704A4CE2}" type="slidenum">
               <a:rPr lang="en-US" smtClean="0"/>
-              <a:t>24</a:t>
+              <a:t>25</a:t>
             </a:fld>
             <a:endParaRPr lang="en-US"/>
           </a:p>
@@ -3361,7 +3468,7 @@
     </p:spTree>
     <p:extLst>
       <p:ext uri="{BB962C8B-B14F-4D97-AF65-F5344CB8AC3E}">
-        <p14:creationId xmlns:p14="http://schemas.microsoft.com/office/powerpoint/2010/main" val="776472056"/>
+        <p14:creationId xmlns:p14="http://schemas.microsoft.com/office/powerpoint/2010/main" val="419971424"/>
       </p:ext>
     </p:extLst>
   </p:cSld>
@@ -3520,7 +3627,7 @@
               <a:t>etc</a:t>
             </a:r>
             <a:r>
-              <a:rPr lang="en-US" baseline="0" dirty="0" smtClean="0"/>
+              <a:rPr lang="en-US" baseline="0" smtClean="0"/>
               <a:t>)</a:t>
             </a:r>
             <a:endParaRPr lang="en-US" dirty="0"/>
@@ -3544,7 +3651,7 @@
           <a:p>
             <a:fld id="{94D2A2C7-9F54-41F8-95BF-A879704A4CE2}" type="slidenum">
               <a:rPr lang="en-US" smtClean="0"/>
-              <a:t>25</a:t>
+              <a:t>26</a:t>
             </a:fld>
             <a:endParaRPr lang="en-US"/>
           </a:p>
@@ -3553,7 +3660,7 @@
     </p:spTree>
     <p:extLst>
       <p:ext uri="{BB962C8B-B14F-4D97-AF65-F5344CB8AC3E}">
-        <p14:creationId xmlns:p14="http://schemas.microsoft.com/office/powerpoint/2010/main" val="419971424"/>
+        <p14:creationId xmlns:p14="http://schemas.microsoft.com/office/powerpoint/2010/main" val="2881120119"/>
       </p:ext>
     </p:extLst>
   </p:cSld>
@@ -3736,7 +3843,7 @@
           <a:p>
             <a:fld id="{94D2A2C7-9F54-41F8-95BF-A879704A4CE2}" type="slidenum">
               <a:rPr lang="en-US" smtClean="0"/>
-              <a:t>26</a:t>
+              <a:t>27</a:t>
             </a:fld>
             <a:endParaRPr lang="en-US"/>
           </a:p>
@@ -3745,7 +3852,7 @@
     </p:spTree>
     <p:extLst>
       <p:ext uri="{BB962C8B-B14F-4D97-AF65-F5344CB8AC3E}">
-        <p14:creationId xmlns:p14="http://schemas.microsoft.com/office/powerpoint/2010/main" val="2881120119"/>
+        <p14:creationId xmlns:p14="http://schemas.microsoft.com/office/powerpoint/2010/main" val="2127180862"/>
       </p:ext>
     </p:extLst>
   </p:cSld>
@@ -3928,7 +4035,7 @@
           <a:p>
             <a:fld id="{94D2A2C7-9F54-41F8-95BF-A879704A4CE2}" type="slidenum">
               <a:rPr lang="en-US" smtClean="0"/>
-              <a:t>27</a:t>
+              <a:t>28</a:t>
             </a:fld>
             <a:endParaRPr lang="en-US"/>
           </a:p>
@@ -3937,7 +4044,7 @@
     </p:spTree>
     <p:extLst>
       <p:ext uri="{BB962C8B-B14F-4D97-AF65-F5344CB8AC3E}">
-        <p14:creationId xmlns:p14="http://schemas.microsoft.com/office/powerpoint/2010/main" val="2127180862"/>
+        <p14:creationId xmlns:p14="http://schemas.microsoft.com/office/powerpoint/2010/main" val="3091310654"/>
       </p:ext>
     </p:extLst>
   </p:cSld>
@@ -4120,7 +4227,7 @@
           <a:p>
             <a:fld id="{94D2A2C7-9F54-41F8-95BF-A879704A4CE2}" type="slidenum">
               <a:rPr lang="en-US" smtClean="0"/>
-              <a:t>28</a:t>
+              <a:t>29</a:t>
             </a:fld>
             <a:endParaRPr lang="en-US"/>
           </a:p>
@@ -4129,7 +4236,7 @@
     </p:spTree>
     <p:extLst>
       <p:ext uri="{BB962C8B-B14F-4D97-AF65-F5344CB8AC3E}">
-        <p14:creationId xmlns:p14="http://schemas.microsoft.com/office/powerpoint/2010/main" val="3091310654"/>
+        <p14:creationId xmlns:p14="http://schemas.microsoft.com/office/powerpoint/2010/main" val="156364300"/>
       </p:ext>
     </p:extLst>
   </p:cSld>
@@ -4183,114 +4290,6 @@
           <a:bodyPr/>
           <a:lstStyle/>
           <a:p>
-            <a:r>
-              <a:rPr lang="en-US" dirty="0" smtClean="0"/>
-              <a:t>La </a:t>
-            </a:r>
-            <a:r>
-              <a:rPr lang="en-US" dirty="0" err="1" smtClean="0"/>
-              <a:t>libreria</a:t>
-            </a:r>
-            <a:r>
-              <a:rPr lang="en-US" dirty="0" smtClean="0"/>
-              <a:t> </a:t>
-            </a:r>
-            <a:r>
-              <a:rPr lang="en-US" dirty="0" err="1" smtClean="0"/>
-              <a:t>seaborn</a:t>
-            </a:r>
-            <a:r>
-              <a:rPr lang="en-US" dirty="0" smtClean="0"/>
-              <a:t> </a:t>
-            </a:r>
-            <a:r>
-              <a:rPr lang="en-US" dirty="0" err="1" smtClean="0"/>
-              <a:t>es</a:t>
-            </a:r>
-            <a:r>
-              <a:rPr lang="en-US" baseline="0" dirty="0" smtClean="0"/>
-              <a:t> </a:t>
-            </a:r>
-            <a:r>
-              <a:rPr lang="en-US" baseline="0" dirty="0" err="1" smtClean="0"/>
-              <a:t>capaz</a:t>
-            </a:r>
-            <a:r>
-              <a:rPr lang="en-US" baseline="0" dirty="0" smtClean="0"/>
-              <a:t> </a:t>
-            </a:r>
-            <a:r>
-              <a:rPr lang="en-US" baseline="0" dirty="0" err="1" smtClean="0"/>
-              <a:t>ded</a:t>
-            </a:r>
-            <a:r>
-              <a:rPr lang="en-US" baseline="0" dirty="0" smtClean="0"/>
-              <a:t> </a:t>
-            </a:r>
-            <a:r>
-              <a:rPr lang="en-US" baseline="0" dirty="0" err="1" smtClean="0"/>
-              <a:t>hacer</a:t>
-            </a:r>
-            <a:r>
-              <a:rPr lang="en-US" baseline="0" dirty="0" smtClean="0"/>
-              <a:t> </a:t>
-            </a:r>
-            <a:r>
-              <a:rPr lang="en-US" baseline="0" dirty="0" err="1" smtClean="0"/>
-              <a:t>por</a:t>
-            </a:r>
-            <a:r>
-              <a:rPr lang="en-US" baseline="0" dirty="0" smtClean="0"/>
-              <a:t> </a:t>
-            </a:r>
-            <a:r>
-              <a:rPr lang="en-US" baseline="0" dirty="0" err="1" smtClean="0"/>
-              <a:t>si</a:t>
-            </a:r>
-            <a:r>
-              <a:rPr lang="en-US" baseline="0" dirty="0" smtClean="0"/>
-              <a:t> </a:t>
-            </a:r>
-            <a:r>
-              <a:rPr lang="en-US" baseline="0" dirty="0" err="1" smtClean="0"/>
-              <a:t>misma</a:t>
-            </a:r>
-            <a:r>
-              <a:rPr lang="en-US" baseline="0" dirty="0" smtClean="0"/>
-              <a:t> calculus </a:t>
-            </a:r>
-            <a:r>
-              <a:rPr lang="en-US" baseline="0" dirty="0" err="1" smtClean="0"/>
-              <a:t>por</a:t>
-            </a:r>
-            <a:r>
-              <a:rPr lang="en-US" baseline="0" dirty="0" smtClean="0"/>
-              <a:t> </a:t>
-            </a:r>
-            <a:r>
-              <a:rPr lang="en-US" baseline="0" dirty="0" err="1" smtClean="0"/>
-              <a:t>categorias</a:t>
-            </a:r>
-            <a:r>
-              <a:rPr lang="en-US" baseline="0" dirty="0" smtClean="0"/>
-              <a:t> (medias, </a:t>
-            </a:r>
-            <a:r>
-              <a:rPr lang="en-US" baseline="0" dirty="0" err="1" smtClean="0"/>
-              <a:t>desviaciones</a:t>
-            </a:r>
-            <a:r>
-              <a:rPr lang="en-US" baseline="0" dirty="0" smtClean="0"/>
-              <a:t> </a:t>
-            </a:r>
-            <a:r>
-              <a:rPr lang="en-US" baseline="0" dirty="0" err="1" smtClean="0"/>
-              <a:t>etc</a:t>
-            </a:r>
-            <a:r>
-              <a:rPr lang="en-US" baseline="0" smtClean="0"/>
-              <a:t>)</a:t>
-            </a:r>
             <a:endParaRPr lang="en-US" dirty="0"/>
           </a:p>
         </p:txBody>
@@ -4312,7 +4311,7 @@
           <a:p>
             <a:fld id="{94D2A2C7-9F54-41F8-95BF-A879704A4CE2}" type="slidenum">
               <a:rPr lang="en-US" smtClean="0"/>
-              <a:t>29</a:t>
+              <a:t>30</a:t>
             </a:fld>
             <a:endParaRPr lang="en-US"/>
           </a:p>
@@ -4321,7 +4320,7 @@
     </p:spTree>
     <p:extLst>
       <p:ext uri="{BB962C8B-B14F-4D97-AF65-F5344CB8AC3E}">
-        <p14:creationId xmlns:p14="http://schemas.microsoft.com/office/powerpoint/2010/main" val="156364300"/>
+        <p14:creationId xmlns:p14="http://schemas.microsoft.com/office/powerpoint/2010/main" val="3069916858"/>
       </p:ext>
     </p:extLst>
   </p:cSld>
@@ -4396,7 +4395,7 @@
           <a:p>
             <a:fld id="{94D2A2C7-9F54-41F8-95BF-A879704A4CE2}" type="slidenum">
               <a:rPr lang="en-US" smtClean="0"/>
-              <a:t>30</a:t>
+              <a:t>31</a:t>
             </a:fld>
             <a:endParaRPr lang="en-US"/>
           </a:p>
@@ -4405,7 +4404,7 @@
     </p:spTree>
     <p:extLst>
       <p:ext uri="{BB962C8B-B14F-4D97-AF65-F5344CB8AC3E}">
-        <p14:creationId xmlns:p14="http://schemas.microsoft.com/office/powerpoint/2010/main" val="3069916858"/>
+        <p14:creationId xmlns:p14="http://schemas.microsoft.com/office/powerpoint/2010/main" val="1856193418"/>
       </p:ext>
     </p:extLst>
   </p:cSld>
@@ -4495,90 +4494,6 @@
     <p:extLst>
       <p:ext uri="{BB962C8B-B14F-4D97-AF65-F5344CB8AC3E}">
         <p14:creationId xmlns:p14="http://schemas.microsoft.com/office/powerpoint/2010/main" val="3048945523"/>
-      </p:ext>
-    </p:extLst>
-  </p:cSld>
-  <p:clrMapOvr>
-    <a:masterClrMapping/>
-  </p:clrMapOvr>
-</p:notes>
-</file>
-
-<file path=ppt/notesSlides/notesSlide30.xml><?xml version="1.0" encoding="utf-8"?>
-<p:notes xmlns:a="http://schemas.openxmlformats.org/drawingml/2006/main" xmlns:r="http://schemas.openxmlformats.org/officeDocument/2006/relationships" xmlns:p="http://schemas.openxmlformats.org/presentationml/2006/main">
-  <p:cSld>
-    <p:spTree>
-      <p:nvGrpSpPr>
-        <p:cNvPr id="1" name=""/>
-        <p:cNvGrpSpPr/>
-        <p:nvPr/>
-      </p:nvGrpSpPr>
-      <p:grpSpPr>
-        <a:xfrm>
-          <a:off x="0" y="0"/>
-          <a:ext cx="0" cy="0"/>
-          <a:chOff x="0" y="0"/>
-          <a:chExt cx="0" cy="0"/>
-        </a:xfrm>
-      </p:grpSpPr>
-      <p:sp>
-        <p:nvSpPr>
-          <p:cNvPr id="2" name="Marcador de imagen de diapositiva 1"/>
-          <p:cNvSpPr>
-            <a:spLocks noGrp="1" noRot="1" noChangeAspect="1"/>
-          </p:cNvSpPr>
-          <p:nvPr>
-            <p:ph type="sldImg"/>
-          </p:nvPr>
-        </p:nvSpPr>
-        <p:spPr/>
-      </p:sp>
-      <p:sp>
-        <p:nvSpPr>
-          <p:cNvPr id="3" name="Marcador de notas 2"/>
-          <p:cNvSpPr>
-            <a:spLocks noGrp="1"/>
-          </p:cNvSpPr>
-          <p:nvPr>
-            <p:ph type="body" idx="1"/>
-          </p:nvPr>
-        </p:nvSpPr>
-        <p:spPr/>
-        <p:txBody>
-          <a:bodyPr/>
-          <a:lstStyle/>
-          <a:p>
-            <a:endParaRPr lang="en-US" dirty="0"/>
-          </a:p>
-        </p:txBody>
-      </p:sp>
-      <p:sp>
-        <p:nvSpPr>
-          <p:cNvPr id="4" name="Marcador de número de diapositiva 3"/>
-          <p:cNvSpPr>
-            <a:spLocks noGrp="1"/>
-          </p:cNvSpPr>
-          <p:nvPr>
-            <p:ph type="sldNum" sz="quarter" idx="10"/>
-          </p:nvPr>
-        </p:nvSpPr>
-        <p:spPr/>
-        <p:txBody>
-          <a:bodyPr/>
-          <a:lstStyle/>
-          <a:p>
-            <a:fld id="{94D2A2C7-9F54-41F8-95BF-A879704A4CE2}" type="slidenum">
-              <a:rPr lang="en-US" smtClean="0"/>
-              <a:t>31</a:t>
-            </a:fld>
-            <a:endParaRPr lang="en-US"/>
-          </a:p>
-        </p:txBody>
-      </p:sp>
-    </p:spTree>
-    <p:extLst>
-      <p:ext uri="{BB962C8B-B14F-4D97-AF65-F5344CB8AC3E}">
-        <p14:creationId xmlns:p14="http://schemas.microsoft.com/office/powerpoint/2010/main" val="1856193418"/>
       </p:ext>
     </p:extLst>
   </p:cSld>
@@ -6898,7 +6813,7 @@
           <a:p>
             <a:fld id="{94D2A2C7-9F54-41F8-95BF-A879704A4CE2}" type="slidenum">
               <a:rPr lang="en-US" smtClean="0"/>
-              <a:t>10</a:t>
+              <a:t>11</a:t>
             </a:fld>
             <a:endParaRPr lang="en-US"/>
           </a:p>
@@ -10040,6 +9955,195 @@
         <p:spPr>
           <a:xfrm>
             <a:off x="633146" y="246686"/>
+            <a:ext cx="8675773" cy="584775"/>
+          </a:xfrm>
+          <a:prstGeom prst="rect">
+            <a:avLst/>
+          </a:prstGeom>
+          <a:noFill/>
+        </p:spPr>
+        <p:txBody>
+          <a:bodyPr wrap="none" rtlCol="0">
+            <a:spAutoFit/>
+          </a:bodyPr>
+          <a:lstStyle/>
+          <a:p>
+            <a:r>
+              <a:rPr lang="es-ES" sz="3200" dirty="0">
+                <a:latin typeface="Arial Black" panose="020B0A04020102020204" pitchFamily="34" charset="0"/>
+              </a:rPr>
+              <a:t>2</a:t>
+            </a:r>
+            <a:r>
+              <a:rPr lang="es-ES" sz="3200" dirty="0" smtClean="0">
+                <a:latin typeface="Arial Black" panose="020B0A04020102020204" pitchFamily="34" charset="0"/>
+              </a:rPr>
+              <a:t> – </a:t>
+            </a:r>
+            <a:r>
+              <a:rPr lang="es-ES" sz="3200" dirty="0" smtClean="0">
+                <a:latin typeface="Arial Black" panose="020B0A04020102020204" pitchFamily="34" charset="0"/>
+              </a:rPr>
+              <a:t>Usar </a:t>
+            </a:r>
+            <a:r>
+              <a:rPr lang="es-ES" sz="3200" dirty="0" err="1" smtClean="0">
+                <a:latin typeface="Arial Black" panose="020B0A04020102020204" pitchFamily="34" charset="0"/>
+              </a:rPr>
+              <a:t>Binder</a:t>
+            </a:r>
+            <a:r>
+              <a:rPr lang="es-ES" sz="3200" dirty="0" smtClean="0">
+                <a:latin typeface="Arial Black" panose="020B0A04020102020204" pitchFamily="34" charset="0"/>
+              </a:rPr>
+              <a:t> como servidor remoto</a:t>
+            </a:r>
+            <a:endParaRPr lang="es-ES" sz="3200" dirty="0">
+              <a:latin typeface="Arial Black" panose="020B0A04020102020204" pitchFamily="34" charset="0"/>
+            </a:endParaRPr>
+          </a:p>
+        </p:txBody>
+      </p:sp>
+      <p:pic>
+        <p:nvPicPr>
+          <p:cNvPr id="2" name="Imagen 1"/>
+          <p:cNvPicPr>
+            <a:picLocks noChangeAspect="1"/>
+          </p:cNvPicPr>
+          <p:nvPr/>
+        </p:nvPicPr>
+        <p:blipFill>
+          <a:blip r:embed="rId2"/>
+          <a:stretch>
+            <a:fillRect/>
+          </a:stretch>
+        </p:blipFill>
+        <p:spPr>
+          <a:xfrm>
+            <a:off x="1283221" y="1068617"/>
+            <a:ext cx="8819424" cy="4960926"/>
+          </a:xfrm>
+          <a:prstGeom prst="rect">
+            <a:avLst/>
+          </a:prstGeom>
+        </p:spPr>
+      </p:pic>
+      <p:sp>
+        <p:nvSpPr>
+          <p:cNvPr id="3" name="CuadroTexto 2"/>
+          <p:cNvSpPr txBox="1"/>
+          <p:nvPr/>
+        </p:nvSpPr>
+        <p:spPr>
+          <a:xfrm>
+            <a:off x="1150374" y="6209071"/>
+            <a:ext cx="9291484" cy="369332"/>
+          </a:xfrm>
+          <a:prstGeom prst="rect">
+            <a:avLst/>
+          </a:prstGeom>
+          <a:noFill/>
+        </p:spPr>
+        <p:txBody>
+          <a:bodyPr wrap="square" rtlCol="0">
+            <a:spAutoFit/>
+          </a:bodyPr>
+          <a:lstStyle/>
+          <a:p>
+            <a:r>
+              <a:rPr lang="en-US" dirty="0" smtClean="0"/>
+              <a:t>¡</a:t>
+            </a:r>
+            <a:r>
+              <a:rPr lang="en-US" dirty="0" err="1" smtClean="0"/>
+              <a:t>Permite</a:t>
+            </a:r>
+            <a:r>
+              <a:rPr lang="en-US" dirty="0" smtClean="0"/>
+              <a:t> </a:t>
+            </a:r>
+            <a:r>
+              <a:rPr lang="en-US" dirty="0" err="1" smtClean="0"/>
+              <a:t>ejcutar</a:t>
+            </a:r>
+            <a:r>
+              <a:rPr lang="en-US" dirty="0" smtClean="0"/>
+              <a:t> python sin </a:t>
+            </a:r>
+            <a:r>
+              <a:rPr lang="en-US" dirty="0" err="1" smtClean="0"/>
+              <a:t>tenerlo</a:t>
+            </a:r>
+            <a:r>
+              <a:rPr lang="en-US" dirty="0" smtClean="0"/>
+              <a:t> </a:t>
+            </a:r>
+            <a:r>
+              <a:rPr lang="en-US" dirty="0" err="1" smtClean="0"/>
+              <a:t>isntalado</a:t>
+            </a:r>
+            <a:r>
+              <a:rPr lang="en-US" dirty="0" smtClean="0"/>
+              <a:t> </a:t>
+            </a:r>
+            <a:r>
+              <a:rPr lang="en-US" dirty="0" err="1" smtClean="0"/>
+              <a:t>localmente</a:t>
+            </a:r>
+            <a:r>
+              <a:rPr lang="en-US" dirty="0" smtClean="0"/>
+              <a:t>!</a:t>
+            </a:r>
+            <a:endParaRPr lang="en-US" dirty="0"/>
+          </a:p>
+        </p:txBody>
+      </p:sp>
+    </p:spTree>
+    <p:extLst>
+      <p:ext uri="{BB962C8B-B14F-4D97-AF65-F5344CB8AC3E}">
+        <p14:creationId xmlns:p14="http://schemas.microsoft.com/office/powerpoint/2010/main" val="3870380473"/>
+      </p:ext>
+    </p:extLst>
+  </p:cSld>
+  <p:clrMapOvr>
+    <a:masterClrMapping/>
+  </p:clrMapOvr>
+  <p:timing>
+    <p:tnLst>
+      <p:par>
+        <p:cTn id="1" dur="indefinite" restart="never" nodeType="tmRoot"/>
+      </p:par>
+    </p:tnLst>
+  </p:timing>
+</p:sld>
+</file>
+
+<file path=ppt/slides/slide11.xml><?xml version="1.0" encoding="utf-8"?>
+<p:sld xmlns:a="http://schemas.openxmlformats.org/drawingml/2006/main" xmlns:r="http://schemas.openxmlformats.org/officeDocument/2006/relationships" xmlns:p="http://schemas.openxmlformats.org/presentationml/2006/main">
+  <p:cSld>
+    <p:spTree>
+      <p:nvGrpSpPr>
+        <p:cNvPr id="1" name=""/>
+        <p:cNvGrpSpPr/>
+        <p:nvPr/>
+      </p:nvGrpSpPr>
+      <p:grpSpPr>
+        <a:xfrm>
+          <a:off x="0" y="0"/>
+          <a:ext cx="0" cy="0"/>
+          <a:chOff x="0" y="0"/>
+          <a:chExt cx="0" cy="0"/>
+        </a:xfrm>
+      </p:grpSpPr>
+      <p:sp>
+        <p:nvSpPr>
+          <p:cNvPr id="4" name="CuadroTexto 3"/>
+          <p:cNvSpPr txBox="1"/>
+          <p:nvPr/>
+        </p:nvSpPr>
+        <p:spPr>
+          <a:xfrm>
+            <a:off x="633146" y="246686"/>
             <a:ext cx="6608925" cy="584775"/>
           </a:xfrm>
           <a:prstGeom prst="rect">
@@ -10160,7 +10264,7 @@
 </p:sld>
 </file>
 
-<file path=ppt/slides/slide11.xml><?xml version="1.0" encoding="utf-8"?>
+<file path=ppt/slides/slide12.xml><?xml version="1.0" encoding="utf-8"?>
 <p:sld xmlns:a="http://schemas.openxmlformats.org/drawingml/2006/main" xmlns:r="http://schemas.openxmlformats.org/officeDocument/2006/relationships" xmlns:p="http://schemas.openxmlformats.org/presentationml/2006/main">
   <p:cSld>
     <p:spTree>
@@ -10320,7 +10424,7 @@
 </p:sld>
 </file>
 
-<file path=ppt/slides/slide12.xml><?xml version="1.0" encoding="utf-8"?>
+<file path=ppt/slides/slide13.xml><?xml version="1.0" encoding="utf-8"?>
 <p:sld xmlns:a="http://schemas.openxmlformats.org/drawingml/2006/main" xmlns:r="http://schemas.openxmlformats.org/officeDocument/2006/relationships" xmlns:p="http://schemas.openxmlformats.org/presentationml/2006/main">
   <p:cSld>
     <p:spTree>
@@ -10545,7 +10649,7 @@
 </p:sld>
 </file>
 
-<file path=ppt/slides/slide13.xml><?xml version="1.0" encoding="utf-8"?>
+<file path=ppt/slides/slide14.xml><?xml version="1.0" encoding="utf-8"?>
 <p:sld xmlns:a="http://schemas.openxmlformats.org/drawingml/2006/main" xmlns:r="http://schemas.openxmlformats.org/officeDocument/2006/relationships" xmlns:p="http://schemas.openxmlformats.org/presentationml/2006/main">
   <p:cSld>
     <p:spTree>
@@ -10836,7 +10940,7 @@
 </p:sld>
 </file>
 
-<file path=ppt/slides/slide14.xml><?xml version="1.0" encoding="utf-8"?>
+<file path=ppt/slides/slide15.xml><?xml version="1.0" encoding="utf-8"?>
 <p:sld xmlns:a="http://schemas.openxmlformats.org/drawingml/2006/main" xmlns:r="http://schemas.openxmlformats.org/officeDocument/2006/relationships" xmlns:p="http://schemas.openxmlformats.org/presentationml/2006/main">
   <p:cSld>
     <p:spTree>
@@ -11025,7 +11129,7 @@
 </p:sld>
 </file>
 
-<file path=ppt/slides/slide15.xml><?xml version="1.0" encoding="utf-8"?>
+<file path=ppt/slides/slide16.xml><?xml version="1.0" encoding="utf-8"?>
 <p:sld xmlns:a="http://schemas.openxmlformats.org/drawingml/2006/main" xmlns:r="http://schemas.openxmlformats.org/officeDocument/2006/relationships" xmlns:p="http://schemas.openxmlformats.org/presentationml/2006/main">
   <p:cSld>
     <p:spTree>
@@ -11095,7 +11199,7 @@
 </p:sld>
 </file>
 
-<file path=ppt/slides/slide16.xml><?xml version="1.0" encoding="utf-8"?>
+<file path=ppt/slides/slide17.xml><?xml version="1.0" encoding="utf-8"?>
 <p:sld xmlns:a="http://schemas.openxmlformats.org/drawingml/2006/main" xmlns:r="http://schemas.openxmlformats.org/officeDocument/2006/relationships" xmlns:p="http://schemas.openxmlformats.org/presentationml/2006/main">
   <p:cSld>
     <p:spTree>
@@ -11773,7 +11877,7 @@
         </p:nvSpPr>
         <p:spPr bwMode="auto">
           <a:xfrm>
-            <a:off x="1244595" y="3150765"/>
+            <a:off x="1244595" y="2952631"/>
             <a:ext cx="4020652" cy="1600438"/>
           </a:xfrm>
           <a:prstGeom prst="rect">
@@ -12097,1606 +12201,6 @@
               </a:rPr>
               <a:t> </a:t>
             </a:r>
-            <a:r>
-              <a:rPr kumimoji="0" lang="es-ES" sz="2000" b="0" i="0" u="none" strike="noStrike" cap="none" normalizeH="0" baseline="0" dirty="0" err="1" smtClean="0">
-                <a:ln>
-                  <a:noFill/>
-                </a:ln>
-                <a:solidFill>
-                  <a:schemeClr val="tx1"/>
-                </a:solidFill>
-                <a:effectLst/>
-              </a:rPr>
-              <a:t>df.hist</a:t>
-            </a:r>
-            <a:r>
-              <a:rPr kumimoji="0" lang="es-ES" sz="2000" b="0" i="0" u="none" strike="noStrike" cap="none" normalizeH="0" baseline="0" dirty="0" smtClean="0">
-                <a:ln>
-                  <a:noFill/>
-                </a:ln>
-                <a:solidFill>
-                  <a:schemeClr val="tx1"/>
-                </a:solidFill>
-                <a:effectLst/>
-              </a:rPr>
-              <a:t>() -&gt; histograma</a:t>
-            </a:r>
-          </a:p>
-        </p:txBody>
-      </p:sp>
-      <p:sp>
-        <p:nvSpPr>
-          <p:cNvPr id="8" name="Rectangle 4"/>
-          <p:cNvSpPr>
-            <a:spLocks noChangeArrowheads="1"/>
-          </p:cNvSpPr>
-          <p:nvPr/>
-        </p:nvSpPr>
-        <p:spPr bwMode="auto">
-          <a:xfrm>
-            <a:off x="0" y="0"/>
-            <a:ext cx="12192000" cy="457200"/>
-          </a:xfrm>
-          <a:prstGeom prst="rect">
-            <a:avLst/>
-          </a:prstGeom>
-          <a:noFill/>
-          <a:ln>
-            <a:noFill/>
-          </a:ln>
-          <a:effectLst/>
-          <a:extLst>
-            <a:ext uri="{909E8E84-426E-40DD-AFC4-6F175D3DCCD1}">
-              <a14:hiddenFill xmlns:a14="http://schemas.microsoft.com/office/drawing/2010/main">
-                <a:solidFill>
-                  <a:schemeClr val="accent1"/>
-                </a:solidFill>
-              </a14:hiddenFill>
-            </a:ext>
-            <a:ext uri="{91240B29-F687-4F45-9708-019B960494DF}">
-              <a14:hiddenLine xmlns:a14="http://schemas.microsoft.com/office/drawing/2010/main" w="9525">
-                <a:solidFill>
-                  <a:schemeClr val="tx1"/>
-                </a:solidFill>
-                <a:miter lim="800000"/>
-                <a:headEnd/>
-                <a:tailEnd/>
-              </a14:hiddenLine>
-            </a:ext>
-            <a:ext uri="{AF507438-7753-43E0-B8FC-AC1667EBCBE1}">
-              <a14:hiddenEffects xmlns:a14="http://schemas.microsoft.com/office/drawing/2010/main">
-                <a:effectLst>
-                  <a:outerShdw dist="35921" dir="2700000" algn="ctr" rotWithShape="0">
-                    <a:schemeClr val="bg2"/>
-                  </a:outerShdw>
-                </a:effectLst>
-              </a14:hiddenEffects>
-            </a:ext>
-          </a:extLst>
-        </p:spPr>
-        <p:txBody>
-          <a:bodyPr vert="horz" wrap="none" lIns="91440" tIns="45720" rIns="91440" bIns="45720" numCol="1" anchor="ctr" anchorCtr="0" compatLnSpc="1">
-            <a:prstTxWarp prst="textNoShape">
-              <a:avLst/>
-            </a:prstTxWarp>
-            <a:spAutoFit/>
-          </a:bodyPr>
-          <a:lstStyle>
-            <a:lvl1pPr eaLnBrk="0" fontAlgn="base" hangingPunct="0">
-              <a:spcBef>
-                <a:spcPct val="30000"/>
-              </a:spcBef>
-              <a:spcAft>
-                <a:spcPct val="0"/>
-              </a:spcAft>
-              <a:defRPr sz="1200">
-                <a:solidFill>
-                  <a:schemeClr val="tx1"/>
-                </a:solidFill>
-                <a:latin typeface="Arial" panose="020B0604020202020204" pitchFamily="34" charset="0"/>
-              </a:defRPr>
-            </a:lvl1pPr>
-            <a:lvl2pPr eaLnBrk="0" fontAlgn="base" hangingPunct="0">
-              <a:spcBef>
-                <a:spcPct val="30000"/>
-              </a:spcBef>
-              <a:spcAft>
-                <a:spcPct val="0"/>
-              </a:spcAft>
-              <a:defRPr sz="1200">
-                <a:solidFill>
-                  <a:schemeClr val="tx1"/>
-                </a:solidFill>
-                <a:latin typeface="Arial" panose="020B0604020202020204" pitchFamily="34" charset="0"/>
-              </a:defRPr>
-            </a:lvl2pPr>
-            <a:lvl3pPr eaLnBrk="0" fontAlgn="base" hangingPunct="0">
-              <a:spcBef>
-                <a:spcPct val="30000"/>
-              </a:spcBef>
-              <a:spcAft>
-                <a:spcPct val="0"/>
-              </a:spcAft>
-              <a:defRPr sz="1200">
-                <a:solidFill>
-                  <a:schemeClr val="tx1"/>
-                </a:solidFill>
-                <a:latin typeface="Arial" panose="020B0604020202020204" pitchFamily="34" charset="0"/>
-              </a:defRPr>
-            </a:lvl3pPr>
-            <a:lvl4pPr eaLnBrk="0" fontAlgn="base" hangingPunct="0">
-              <a:spcBef>
-                <a:spcPct val="30000"/>
-              </a:spcBef>
-              <a:spcAft>
-                <a:spcPct val="0"/>
-              </a:spcAft>
-              <a:defRPr sz="1200">
-                <a:solidFill>
-                  <a:schemeClr val="tx1"/>
-                </a:solidFill>
-                <a:latin typeface="Arial" panose="020B0604020202020204" pitchFamily="34" charset="0"/>
-              </a:defRPr>
-            </a:lvl4pPr>
-            <a:lvl5pPr eaLnBrk="0" fontAlgn="base" hangingPunct="0">
-              <a:spcBef>
-                <a:spcPct val="30000"/>
-              </a:spcBef>
-              <a:spcAft>
-                <a:spcPct val="0"/>
-              </a:spcAft>
-              <a:defRPr sz="1200">
-                <a:solidFill>
-                  <a:schemeClr val="tx1"/>
-                </a:solidFill>
-                <a:latin typeface="Arial" panose="020B0604020202020204" pitchFamily="34" charset="0"/>
-              </a:defRPr>
-            </a:lvl5pPr>
-            <a:lvl6pPr eaLnBrk="0" fontAlgn="base" hangingPunct="0">
-              <a:spcBef>
-                <a:spcPct val="30000"/>
-              </a:spcBef>
-              <a:spcAft>
-                <a:spcPct val="0"/>
-              </a:spcAft>
-              <a:defRPr sz="1200">
-                <a:solidFill>
-                  <a:schemeClr val="tx1"/>
-                </a:solidFill>
-                <a:latin typeface="Arial" panose="020B0604020202020204" pitchFamily="34" charset="0"/>
-              </a:defRPr>
-            </a:lvl6pPr>
-            <a:lvl7pPr eaLnBrk="0" fontAlgn="base" hangingPunct="0">
-              <a:spcBef>
-                <a:spcPct val="30000"/>
-              </a:spcBef>
-              <a:spcAft>
-                <a:spcPct val="0"/>
-              </a:spcAft>
-              <a:defRPr sz="1200">
-                <a:solidFill>
-                  <a:schemeClr val="tx1"/>
-                </a:solidFill>
-                <a:latin typeface="Arial" panose="020B0604020202020204" pitchFamily="34" charset="0"/>
-              </a:defRPr>
-            </a:lvl7pPr>
-            <a:lvl8pPr eaLnBrk="0" fontAlgn="base" hangingPunct="0">
-              <a:spcBef>
-                <a:spcPct val="30000"/>
-              </a:spcBef>
-              <a:spcAft>
-                <a:spcPct val="0"/>
-              </a:spcAft>
-              <a:defRPr sz="1200">
-                <a:solidFill>
-                  <a:schemeClr val="tx1"/>
-                </a:solidFill>
-                <a:latin typeface="Arial" panose="020B0604020202020204" pitchFamily="34" charset="0"/>
-              </a:defRPr>
-            </a:lvl8pPr>
-            <a:lvl9pPr eaLnBrk="0" fontAlgn="base" hangingPunct="0">
-              <a:spcBef>
-                <a:spcPct val="30000"/>
-              </a:spcBef>
-              <a:spcAft>
-                <a:spcPct val="0"/>
-              </a:spcAft>
-              <a:defRPr sz="1200">
-                <a:solidFill>
-                  <a:schemeClr val="tx1"/>
-                </a:solidFill>
-                <a:latin typeface="Arial" panose="020B0604020202020204" pitchFamily="34" charset="0"/>
-              </a:defRPr>
-            </a:lvl9pPr>
-          </a:lstStyle>
-          <a:p>
-            <a:pPr marL="0" marR="0" lvl="0" indent="0" algn="l" defTabSz="914400" rtl="0" eaLnBrk="0" fontAlgn="base" latinLnBrk="0" hangingPunct="0">
-              <a:lnSpc>
-                <a:spcPct val="100000"/>
-              </a:lnSpc>
-              <a:spcBef>
-                <a:spcPct val="30000"/>
-              </a:spcBef>
-              <a:spcAft>
-                <a:spcPct val="0"/>
-              </a:spcAft>
-              <a:buClrTx/>
-              <a:buSzTx/>
-              <a:buFontTx/>
-              <a:buNone/>
-              <a:tabLst/>
-            </a:pPr>
-            <a:r>
-              <a:rPr kumimoji="0" lang="es-ES" sz="1200" b="0" i="0" u="none" strike="noStrike" cap="none" normalizeH="0" baseline="0" smtClean="0">
-                <a:ln>
-                  <a:noFill/>
-                </a:ln>
-                <a:solidFill>
-                  <a:schemeClr val="tx1"/>
-                </a:solidFill>
-                <a:effectLst/>
-                <a:latin typeface="Arial" panose="020B0604020202020204" pitchFamily="34" charset="0"/>
-              </a:rPr>
-              <a:t>df</a:t>
-            </a:r>
-            <a:r>
-              <a:rPr kumimoji="0" lang="es-ES" sz="1800" b="0" i="0" u="none" strike="noStrike" cap="none" normalizeH="0" baseline="0" smtClean="0">
-                <a:ln>
-                  <a:noFill/>
-                </a:ln>
-                <a:solidFill>
-                  <a:schemeClr val="tx1"/>
-                </a:solidFill>
-                <a:effectLst/>
-                <a:latin typeface="Arial" panose="020B0604020202020204" pitchFamily="34" charset="0"/>
-              </a:rPr>
-              <a:t>.</a:t>
-            </a:r>
-            <a:r>
-              <a:rPr kumimoji="0" lang="es-ES" sz="1200" b="0" i="0" u="none" strike="noStrike" cap="none" normalizeH="0" baseline="0" smtClean="0">
-                <a:ln>
-                  <a:noFill/>
-                </a:ln>
-                <a:solidFill>
-                  <a:schemeClr val="tx1"/>
-                </a:solidFill>
-                <a:effectLst/>
-                <a:latin typeface="Arial" panose="020B0604020202020204" pitchFamily="34" charset="0"/>
-              </a:rPr>
-              <a:t>info</a:t>
-            </a:r>
-            <a:r>
-              <a:rPr kumimoji="0" lang="es-ES" sz="1000" b="0" i="0" u="none" strike="noStrike" cap="none" normalizeH="0" baseline="0" smtClean="0">
-                <a:ln>
-                  <a:noFill/>
-                </a:ln>
-                <a:solidFill>
-                  <a:schemeClr val="tx1"/>
-                </a:solidFill>
-                <a:effectLst/>
-                <a:latin typeface="Arial Unicode MS" panose="020B0604020202020204" pitchFamily="34" charset="-128"/>
-              </a:rPr>
-              <a:t>()</a:t>
-            </a:r>
-            <a:r>
-              <a:rPr kumimoji="0" lang="es-ES" sz="800" b="0" i="0" u="none" strike="noStrike" cap="none" normalizeH="0" baseline="0" smtClean="0">
-                <a:ln>
-                  <a:noFill/>
-                </a:ln>
-                <a:solidFill>
-                  <a:schemeClr val="tx1"/>
-                </a:solidFill>
-                <a:effectLst/>
-              </a:rPr>
-              <a:t> </a:t>
-            </a:r>
-            <a:endParaRPr kumimoji="0" lang="es-ES" sz="1200" b="0" i="0" u="none" strike="noStrike" cap="none" normalizeH="0" baseline="0" smtClean="0">
-              <a:ln>
-                <a:noFill/>
-              </a:ln>
-              <a:solidFill>
-                <a:schemeClr val="tx1"/>
-              </a:solidFill>
-              <a:effectLst/>
-              <a:latin typeface="Arial" panose="020B0604020202020204" pitchFamily="34" charset="0"/>
-            </a:endParaRPr>
-          </a:p>
-        </p:txBody>
-      </p:sp>
-      <p:sp>
-        <p:nvSpPr>
-          <p:cNvPr id="9" name="Rectangle 5"/>
-          <p:cNvSpPr>
-            <a:spLocks noChangeArrowheads="1"/>
-          </p:cNvSpPr>
-          <p:nvPr/>
-        </p:nvSpPr>
-        <p:spPr bwMode="auto">
-          <a:xfrm>
-            <a:off x="152400" y="152400"/>
-            <a:ext cx="12192000" cy="457200"/>
-          </a:xfrm>
-          <a:prstGeom prst="rect">
-            <a:avLst/>
-          </a:prstGeom>
-          <a:noFill/>
-          <a:ln>
-            <a:noFill/>
-          </a:ln>
-          <a:effectLst/>
-          <a:extLst>
-            <a:ext uri="{909E8E84-426E-40DD-AFC4-6F175D3DCCD1}">
-              <a14:hiddenFill xmlns:a14="http://schemas.microsoft.com/office/drawing/2010/main">
-                <a:solidFill>
-                  <a:schemeClr val="accent1"/>
-                </a:solidFill>
-              </a14:hiddenFill>
-            </a:ext>
-            <a:ext uri="{91240B29-F687-4F45-9708-019B960494DF}">
-              <a14:hiddenLine xmlns:a14="http://schemas.microsoft.com/office/drawing/2010/main" w="9525">
-                <a:solidFill>
-                  <a:schemeClr val="tx1"/>
-                </a:solidFill>
-                <a:miter lim="800000"/>
-                <a:headEnd/>
-                <a:tailEnd/>
-              </a14:hiddenLine>
-            </a:ext>
-            <a:ext uri="{AF507438-7753-43E0-B8FC-AC1667EBCBE1}">
-              <a14:hiddenEffects xmlns:a14="http://schemas.microsoft.com/office/drawing/2010/main">
-                <a:effectLst>
-                  <a:outerShdw dist="35921" dir="2700000" algn="ctr" rotWithShape="0">
-                    <a:schemeClr val="bg2"/>
-                  </a:outerShdw>
-                </a:effectLst>
-              </a14:hiddenEffects>
-            </a:ext>
-          </a:extLst>
-        </p:spPr>
-        <p:txBody>
-          <a:bodyPr vert="horz" wrap="none" lIns="91440" tIns="45720" rIns="91440" bIns="45720" numCol="1" anchor="ctr" anchorCtr="0" compatLnSpc="1">
-            <a:prstTxWarp prst="textNoShape">
-              <a:avLst/>
-            </a:prstTxWarp>
-            <a:spAutoFit/>
-          </a:bodyPr>
-          <a:lstStyle>
-            <a:lvl1pPr eaLnBrk="0" fontAlgn="base" hangingPunct="0">
-              <a:spcBef>
-                <a:spcPct val="30000"/>
-              </a:spcBef>
-              <a:spcAft>
-                <a:spcPct val="0"/>
-              </a:spcAft>
-              <a:defRPr sz="1200">
-                <a:solidFill>
-                  <a:schemeClr val="tx1"/>
-                </a:solidFill>
-                <a:latin typeface="Arial" panose="020B0604020202020204" pitchFamily="34" charset="0"/>
-              </a:defRPr>
-            </a:lvl1pPr>
-            <a:lvl2pPr eaLnBrk="0" fontAlgn="base" hangingPunct="0">
-              <a:spcBef>
-                <a:spcPct val="30000"/>
-              </a:spcBef>
-              <a:spcAft>
-                <a:spcPct val="0"/>
-              </a:spcAft>
-              <a:defRPr sz="1200">
-                <a:solidFill>
-                  <a:schemeClr val="tx1"/>
-                </a:solidFill>
-                <a:latin typeface="Arial" panose="020B0604020202020204" pitchFamily="34" charset="0"/>
-              </a:defRPr>
-            </a:lvl2pPr>
-            <a:lvl3pPr eaLnBrk="0" fontAlgn="base" hangingPunct="0">
-              <a:spcBef>
-                <a:spcPct val="30000"/>
-              </a:spcBef>
-              <a:spcAft>
-                <a:spcPct val="0"/>
-              </a:spcAft>
-              <a:defRPr sz="1200">
-                <a:solidFill>
-                  <a:schemeClr val="tx1"/>
-                </a:solidFill>
-                <a:latin typeface="Arial" panose="020B0604020202020204" pitchFamily="34" charset="0"/>
-              </a:defRPr>
-            </a:lvl3pPr>
-            <a:lvl4pPr eaLnBrk="0" fontAlgn="base" hangingPunct="0">
-              <a:spcBef>
-                <a:spcPct val="30000"/>
-              </a:spcBef>
-              <a:spcAft>
-                <a:spcPct val="0"/>
-              </a:spcAft>
-              <a:defRPr sz="1200">
-                <a:solidFill>
-                  <a:schemeClr val="tx1"/>
-                </a:solidFill>
-                <a:latin typeface="Arial" panose="020B0604020202020204" pitchFamily="34" charset="0"/>
-              </a:defRPr>
-            </a:lvl4pPr>
-            <a:lvl5pPr eaLnBrk="0" fontAlgn="base" hangingPunct="0">
-              <a:spcBef>
-                <a:spcPct val="30000"/>
-              </a:spcBef>
-              <a:spcAft>
-                <a:spcPct val="0"/>
-              </a:spcAft>
-              <a:defRPr sz="1200">
-                <a:solidFill>
-                  <a:schemeClr val="tx1"/>
-                </a:solidFill>
-                <a:latin typeface="Arial" panose="020B0604020202020204" pitchFamily="34" charset="0"/>
-              </a:defRPr>
-            </a:lvl5pPr>
-            <a:lvl6pPr eaLnBrk="0" fontAlgn="base" hangingPunct="0">
-              <a:spcBef>
-                <a:spcPct val="30000"/>
-              </a:spcBef>
-              <a:spcAft>
-                <a:spcPct val="0"/>
-              </a:spcAft>
-              <a:defRPr sz="1200">
-                <a:solidFill>
-                  <a:schemeClr val="tx1"/>
-                </a:solidFill>
-                <a:latin typeface="Arial" panose="020B0604020202020204" pitchFamily="34" charset="0"/>
-              </a:defRPr>
-            </a:lvl6pPr>
-            <a:lvl7pPr eaLnBrk="0" fontAlgn="base" hangingPunct="0">
-              <a:spcBef>
-                <a:spcPct val="30000"/>
-              </a:spcBef>
-              <a:spcAft>
-                <a:spcPct val="0"/>
-              </a:spcAft>
-              <a:defRPr sz="1200">
-                <a:solidFill>
-                  <a:schemeClr val="tx1"/>
-                </a:solidFill>
-                <a:latin typeface="Arial" panose="020B0604020202020204" pitchFamily="34" charset="0"/>
-              </a:defRPr>
-            </a:lvl7pPr>
-            <a:lvl8pPr eaLnBrk="0" fontAlgn="base" hangingPunct="0">
-              <a:spcBef>
-                <a:spcPct val="30000"/>
-              </a:spcBef>
-              <a:spcAft>
-                <a:spcPct val="0"/>
-              </a:spcAft>
-              <a:defRPr sz="1200">
-                <a:solidFill>
-                  <a:schemeClr val="tx1"/>
-                </a:solidFill>
-                <a:latin typeface="Arial" panose="020B0604020202020204" pitchFamily="34" charset="0"/>
-              </a:defRPr>
-            </a:lvl8pPr>
-            <a:lvl9pPr eaLnBrk="0" fontAlgn="base" hangingPunct="0">
-              <a:spcBef>
-                <a:spcPct val="30000"/>
-              </a:spcBef>
-              <a:spcAft>
-                <a:spcPct val="0"/>
-              </a:spcAft>
-              <a:defRPr sz="1200">
-                <a:solidFill>
-                  <a:schemeClr val="tx1"/>
-                </a:solidFill>
-                <a:latin typeface="Arial" panose="020B0604020202020204" pitchFamily="34" charset="0"/>
-              </a:defRPr>
-            </a:lvl9pPr>
-          </a:lstStyle>
-          <a:p>
-            <a:pPr marL="0" marR="0" lvl="0" indent="0" algn="l" defTabSz="914400" rtl="0" eaLnBrk="0" fontAlgn="base" latinLnBrk="0" hangingPunct="0">
-              <a:lnSpc>
-                <a:spcPct val="100000"/>
-              </a:lnSpc>
-              <a:spcBef>
-                <a:spcPct val="30000"/>
-              </a:spcBef>
-              <a:spcAft>
-                <a:spcPct val="0"/>
-              </a:spcAft>
-              <a:buClrTx/>
-              <a:buSzTx/>
-              <a:buFontTx/>
-              <a:buNone/>
-              <a:tabLst/>
-            </a:pPr>
-            <a:r>
-              <a:rPr kumimoji="0" lang="es-ES" sz="1200" b="0" i="0" u="none" strike="noStrike" cap="none" normalizeH="0" baseline="0" smtClean="0">
-                <a:ln>
-                  <a:noFill/>
-                </a:ln>
-                <a:solidFill>
-                  <a:schemeClr val="tx1"/>
-                </a:solidFill>
-                <a:effectLst/>
-                <a:latin typeface="Arial" panose="020B0604020202020204" pitchFamily="34" charset="0"/>
-              </a:rPr>
-              <a:t>pokemon_df</a:t>
-            </a:r>
-            <a:r>
-              <a:rPr kumimoji="0" lang="es-ES" sz="1800" b="0" i="0" u="none" strike="noStrike" cap="none" normalizeH="0" baseline="0" smtClean="0">
-                <a:ln>
-                  <a:noFill/>
-                </a:ln>
-                <a:solidFill>
-                  <a:schemeClr val="tx1"/>
-                </a:solidFill>
-                <a:effectLst/>
-                <a:latin typeface="Arial" panose="020B0604020202020204" pitchFamily="34" charset="0"/>
-              </a:rPr>
-              <a:t>.</a:t>
-            </a:r>
-            <a:r>
-              <a:rPr kumimoji="0" lang="es-ES" sz="1200" b="0" i="0" u="none" strike="noStrike" cap="none" normalizeH="0" baseline="0" smtClean="0">
-                <a:ln>
-                  <a:noFill/>
-                </a:ln>
-                <a:solidFill>
-                  <a:schemeClr val="tx1"/>
-                </a:solidFill>
-                <a:effectLst/>
-                <a:latin typeface="Arial" panose="020B0604020202020204" pitchFamily="34" charset="0"/>
-              </a:rPr>
-              <a:t>hist</a:t>
-            </a:r>
-            <a:r>
-              <a:rPr kumimoji="0" lang="es-ES" sz="1000" b="0" i="0" u="none" strike="noStrike" cap="none" normalizeH="0" baseline="0" smtClean="0">
-                <a:ln>
-                  <a:noFill/>
-                </a:ln>
-                <a:solidFill>
-                  <a:schemeClr val="tx1"/>
-                </a:solidFill>
-                <a:effectLst/>
-                <a:latin typeface="Arial Unicode MS" panose="020B0604020202020204" pitchFamily="34" charset="-128"/>
-              </a:rPr>
-              <a:t>()</a:t>
-            </a:r>
-            <a:r>
-              <a:rPr kumimoji="0" lang="es-ES" sz="800" b="0" i="0" u="none" strike="noStrike" cap="none" normalizeH="0" baseline="0" smtClean="0">
-                <a:ln>
-                  <a:noFill/>
-                </a:ln>
-                <a:solidFill>
-                  <a:schemeClr val="tx1"/>
-                </a:solidFill>
-                <a:effectLst/>
-              </a:rPr>
-              <a:t> </a:t>
-            </a:r>
-            <a:endParaRPr kumimoji="0" lang="es-ES" sz="1200" b="0" i="0" u="none" strike="noStrike" cap="none" normalizeH="0" baseline="0" smtClean="0">
-              <a:ln>
-                <a:noFill/>
-              </a:ln>
-              <a:solidFill>
-                <a:schemeClr val="tx1"/>
-              </a:solidFill>
-              <a:effectLst/>
-              <a:latin typeface="Arial" panose="020B0604020202020204" pitchFamily="34" charset="0"/>
-            </a:endParaRPr>
-          </a:p>
-        </p:txBody>
-      </p:sp>
-    </p:spTree>
-    <p:extLst>
-      <p:ext uri="{BB962C8B-B14F-4D97-AF65-F5344CB8AC3E}">
-        <p14:creationId xmlns:p14="http://schemas.microsoft.com/office/powerpoint/2010/main" val="154774437"/>
-      </p:ext>
-    </p:extLst>
-  </p:cSld>
-  <p:clrMapOvr>
-    <a:masterClrMapping/>
-  </p:clrMapOvr>
-</p:sld>
-</file>
-
-<file path=ppt/slides/slide17.xml><?xml version="1.0" encoding="utf-8"?>
-<p:sld xmlns:a="http://schemas.openxmlformats.org/drawingml/2006/main" xmlns:r="http://schemas.openxmlformats.org/officeDocument/2006/relationships" xmlns:p="http://schemas.openxmlformats.org/presentationml/2006/main">
-  <p:cSld>
-    <p:spTree>
-      <p:nvGrpSpPr>
-        <p:cNvPr id="1" name=""/>
-        <p:cNvGrpSpPr/>
-        <p:nvPr/>
-      </p:nvGrpSpPr>
-      <p:grpSpPr>
-        <a:xfrm>
-          <a:off x="0" y="0"/>
-          <a:ext cx="0" cy="0"/>
-          <a:chOff x="0" y="0"/>
-          <a:chExt cx="0" cy="0"/>
-        </a:xfrm>
-      </p:grpSpPr>
-      <p:sp>
-        <p:nvSpPr>
-          <p:cNvPr id="4" name="CuadroTexto 3"/>
-          <p:cNvSpPr txBox="1"/>
-          <p:nvPr/>
-        </p:nvSpPr>
-        <p:spPr>
-          <a:xfrm>
-            <a:off x="633146" y="246686"/>
-            <a:ext cx="4225644" cy="584775"/>
-          </a:xfrm>
-          <a:prstGeom prst="rect">
-            <a:avLst/>
-          </a:prstGeom>
-          <a:noFill/>
-        </p:spPr>
-        <p:txBody>
-          <a:bodyPr wrap="none" rtlCol="0">
-            <a:spAutoFit/>
-          </a:bodyPr>
-          <a:lstStyle/>
-          <a:p>
-            <a:r>
-              <a:rPr lang="es-ES" sz="3200" dirty="0" smtClean="0">
-                <a:latin typeface="Arial Black" panose="020B0A04020102020204" pitchFamily="34" charset="0"/>
-              </a:rPr>
-              <a:t>4 – Data </a:t>
-            </a:r>
-            <a:r>
-              <a:rPr lang="es-ES" sz="3200" dirty="0" err="1" smtClean="0">
-                <a:latin typeface="Arial Black" panose="020B0A04020102020204" pitchFamily="34" charset="0"/>
-              </a:rPr>
-              <a:t>Overview</a:t>
-            </a:r>
-            <a:endParaRPr lang="es-ES" sz="3200" dirty="0">
-              <a:latin typeface="Arial Black" panose="020B0A04020102020204" pitchFamily="34" charset="0"/>
-            </a:endParaRPr>
-          </a:p>
-        </p:txBody>
-      </p:sp>
-      <p:sp>
-        <p:nvSpPr>
-          <p:cNvPr id="3" name="Rectangle 1"/>
-          <p:cNvSpPr>
-            <a:spLocks noChangeArrowheads="1"/>
-          </p:cNvSpPr>
-          <p:nvPr/>
-        </p:nvSpPr>
-        <p:spPr bwMode="auto">
-          <a:xfrm>
-            <a:off x="1244595" y="1362403"/>
-            <a:ext cx="3002745" cy="1200329"/>
-          </a:xfrm>
-          <a:prstGeom prst="rect">
-            <a:avLst/>
-          </a:prstGeom>
-          <a:noFill/>
-          <a:ln>
-            <a:noFill/>
-          </a:ln>
-          <a:effectLst/>
-          <a:extLst>
-            <a:ext uri="{909E8E84-426E-40DD-AFC4-6F175D3DCCD1}">
-              <a14:hiddenFill xmlns:a14="http://schemas.microsoft.com/office/drawing/2010/main">
-                <a:solidFill>
-                  <a:schemeClr val="accent1"/>
-                </a:solidFill>
-              </a14:hiddenFill>
-            </a:ext>
-            <a:ext uri="{91240B29-F687-4F45-9708-019B960494DF}">
-              <a14:hiddenLine xmlns:a14="http://schemas.microsoft.com/office/drawing/2010/main" w="9525">
-                <a:solidFill>
-                  <a:schemeClr val="tx1"/>
-                </a:solidFill>
-                <a:miter lim="800000"/>
-                <a:headEnd/>
-                <a:tailEnd/>
-              </a14:hiddenLine>
-            </a:ext>
-            <a:ext uri="{AF507438-7753-43E0-B8FC-AC1667EBCBE1}">
-              <a14:hiddenEffects xmlns:a14="http://schemas.microsoft.com/office/drawing/2010/main">
-                <a:effectLst>
-                  <a:outerShdw dist="35921" dir="2700000" algn="ctr" rotWithShape="0">
-                    <a:schemeClr val="bg2"/>
-                  </a:outerShdw>
-                </a:effectLst>
-              </a14:hiddenEffects>
-            </a:ext>
-          </a:extLst>
-        </p:spPr>
-        <p:txBody>
-          <a:bodyPr vert="horz" wrap="none" lIns="91440" tIns="45720" rIns="91440" bIns="45720" numCol="1" anchor="ctr" anchorCtr="0" compatLnSpc="1">
-            <a:prstTxWarp prst="textNoShape">
-              <a:avLst/>
-            </a:prstTxWarp>
-            <a:spAutoFit/>
-          </a:bodyPr>
-          <a:lstStyle>
-            <a:lvl1pPr eaLnBrk="0" fontAlgn="base" hangingPunct="0">
-              <a:spcBef>
-                <a:spcPct val="30000"/>
-              </a:spcBef>
-              <a:spcAft>
-                <a:spcPct val="0"/>
-              </a:spcAft>
-              <a:defRPr sz="1200">
-                <a:solidFill>
-                  <a:schemeClr val="tx1"/>
-                </a:solidFill>
-                <a:latin typeface="Arial" panose="020B0604020202020204" pitchFamily="34" charset="0"/>
-              </a:defRPr>
-            </a:lvl1pPr>
-            <a:lvl2pPr eaLnBrk="0" fontAlgn="base" hangingPunct="0">
-              <a:spcBef>
-                <a:spcPct val="30000"/>
-              </a:spcBef>
-              <a:spcAft>
-                <a:spcPct val="0"/>
-              </a:spcAft>
-              <a:defRPr sz="1200">
-                <a:solidFill>
-                  <a:schemeClr val="tx1"/>
-                </a:solidFill>
-                <a:latin typeface="Arial" panose="020B0604020202020204" pitchFamily="34" charset="0"/>
-              </a:defRPr>
-            </a:lvl2pPr>
-            <a:lvl3pPr eaLnBrk="0" fontAlgn="base" hangingPunct="0">
-              <a:spcBef>
-                <a:spcPct val="30000"/>
-              </a:spcBef>
-              <a:spcAft>
-                <a:spcPct val="0"/>
-              </a:spcAft>
-              <a:defRPr sz="1200">
-                <a:solidFill>
-                  <a:schemeClr val="tx1"/>
-                </a:solidFill>
-                <a:latin typeface="Arial" panose="020B0604020202020204" pitchFamily="34" charset="0"/>
-              </a:defRPr>
-            </a:lvl3pPr>
-            <a:lvl4pPr eaLnBrk="0" fontAlgn="base" hangingPunct="0">
-              <a:spcBef>
-                <a:spcPct val="30000"/>
-              </a:spcBef>
-              <a:spcAft>
-                <a:spcPct val="0"/>
-              </a:spcAft>
-              <a:defRPr sz="1200">
-                <a:solidFill>
-                  <a:schemeClr val="tx1"/>
-                </a:solidFill>
-                <a:latin typeface="Arial" panose="020B0604020202020204" pitchFamily="34" charset="0"/>
-              </a:defRPr>
-            </a:lvl4pPr>
-            <a:lvl5pPr eaLnBrk="0" fontAlgn="base" hangingPunct="0">
-              <a:spcBef>
-                <a:spcPct val="30000"/>
-              </a:spcBef>
-              <a:spcAft>
-                <a:spcPct val="0"/>
-              </a:spcAft>
-              <a:defRPr sz="1200">
-                <a:solidFill>
-                  <a:schemeClr val="tx1"/>
-                </a:solidFill>
-                <a:latin typeface="Arial" panose="020B0604020202020204" pitchFamily="34" charset="0"/>
-              </a:defRPr>
-            </a:lvl5pPr>
-            <a:lvl6pPr eaLnBrk="0" fontAlgn="base" hangingPunct="0">
-              <a:spcBef>
-                <a:spcPct val="30000"/>
-              </a:spcBef>
-              <a:spcAft>
-                <a:spcPct val="0"/>
-              </a:spcAft>
-              <a:defRPr sz="1200">
-                <a:solidFill>
-                  <a:schemeClr val="tx1"/>
-                </a:solidFill>
-                <a:latin typeface="Arial" panose="020B0604020202020204" pitchFamily="34" charset="0"/>
-              </a:defRPr>
-            </a:lvl6pPr>
-            <a:lvl7pPr eaLnBrk="0" fontAlgn="base" hangingPunct="0">
-              <a:spcBef>
-                <a:spcPct val="30000"/>
-              </a:spcBef>
-              <a:spcAft>
-                <a:spcPct val="0"/>
-              </a:spcAft>
-              <a:defRPr sz="1200">
-                <a:solidFill>
-                  <a:schemeClr val="tx1"/>
-                </a:solidFill>
-                <a:latin typeface="Arial" panose="020B0604020202020204" pitchFamily="34" charset="0"/>
-              </a:defRPr>
-            </a:lvl7pPr>
-            <a:lvl8pPr eaLnBrk="0" fontAlgn="base" hangingPunct="0">
-              <a:spcBef>
-                <a:spcPct val="30000"/>
-              </a:spcBef>
-              <a:spcAft>
-                <a:spcPct val="0"/>
-              </a:spcAft>
-              <a:defRPr sz="1200">
-                <a:solidFill>
-                  <a:schemeClr val="tx1"/>
-                </a:solidFill>
-                <a:latin typeface="Arial" panose="020B0604020202020204" pitchFamily="34" charset="0"/>
-              </a:defRPr>
-            </a:lvl8pPr>
-            <a:lvl9pPr eaLnBrk="0" fontAlgn="base" hangingPunct="0">
-              <a:spcBef>
-                <a:spcPct val="30000"/>
-              </a:spcBef>
-              <a:spcAft>
-                <a:spcPct val="0"/>
-              </a:spcAft>
-              <a:defRPr sz="1200">
-                <a:solidFill>
-                  <a:schemeClr val="tx1"/>
-                </a:solidFill>
-                <a:latin typeface="Arial" panose="020B0604020202020204" pitchFamily="34" charset="0"/>
-              </a:defRPr>
-            </a:lvl9pPr>
-          </a:lstStyle>
-          <a:p>
-            <a:pPr marL="0" marR="0" lvl="0" indent="0" algn="l" defTabSz="914400" rtl="0" eaLnBrk="0" fontAlgn="base" latinLnBrk="0" hangingPunct="0">
-              <a:lnSpc>
-                <a:spcPct val="100000"/>
-              </a:lnSpc>
-              <a:spcBef>
-                <a:spcPct val="30000"/>
-              </a:spcBef>
-              <a:spcAft>
-                <a:spcPct val="0"/>
-              </a:spcAft>
-              <a:buClrTx/>
-              <a:buSzTx/>
-              <a:buFontTx/>
-              <a:buNone/>
-              <a:tabLst/>
-            </a:pPr>
-            <a:r>
-              <a:rPr kumimoji="0" lang="es-ES" sz="2000" b="1" i="0" strike="noStrike" cap="none" normalizeH="0" baseline="0" dirty="0" smtClean="0">
-                <a:ln>
-                  <a:noFill/>
-                </a:ln>
-                <a:solidFill>
-                  <a:schemeClr val="tx1"/>
-                </a:solidFill>
-                <a:effectLst/>
-              </a:rPr>
-              <a:t>Consultar Inicio y Final</a:t>
-            </a:r>
-          </a:p>
-          <a:p>
-            <a:pPr marL="0" marR="0" lvl="0" indent="0" algn="l" defTabSz="914400" rtl="0" eaLnBrk="0" fontAlgn="base" latinLnBrk="0" hangingPunct="0">
-              <a:lnSpc>
-                <a:spcPct val="100000"/>
-              </a:lnSpc>
-              <a:spcBef>
-                <a:spcPct val="30000"/>
-              </a:spcBef>
-              <a:spcAft>
-                <a:spcPct val="0"/>
-              </a:spcAft>
-              <a:buClrTx/>
-              <a:buSzTx/>
-              <a:buFontTx/>
-              <a:buNone/>
-              <a:tabLst/>
-            </a:pPr>
-            <a:r>
-              <a:rPr kumimoji="0" lang="es-ES" sz="2000" b="0" i="0" u="none" strike="noStrike" cap="none" normalizeH="0" baseline="0" dirty="0" err="1" smtClean="0">
-                <a:ln>
-                  <a:noFill/>
-                </a:ln>
-                <a:solidFill>
-                  <a:schemeClr val="tx1"/>
-                </a:solidFill>
-                <a:effectLst/>
-              </a:rPr>
-              <a:t>df.head</a:t>
-            </a:r>
-            <a:r>
-              <a:rPr kumimoji="0" lang="es-ES" sz="2000" b="0" i="0" u="none" strike="noStrike" cap="none" normalizeH="0" baseline="0" dirty="0" smtClean="0">
-                <a:ln>
-                  <a:noFill/>
-                </a:ln>
-                <a:solidFill>
-                  <a:schemeClr val="tx1"/>
-                </a:solidFill>
-                <a:effectLst/>
-                <a:latin typeface="Arial Unicode MS" panose="020B0604020202020204" pitchFamily="34" charset="-128"/>
-              </a:rPr>
-              <a:t>(5)</a:t>
-            </a:r>
-          </a:p>
-          <a:p>
-            <a:pPr marL="0" marR="0" lvl="0" indent="0" algn="l" defTabSz="914400" rtl="0" eaLnBrk="0" fontAlgn="base" latinLnBrk="0" hangingPunct="0">
-              <a:lnSpc>
-                <a:spcPct val="100000"/>
-              </a:lnSpc>
-              <a:spcBef>
-                <a:spcPct val="30000"/>
-              </a:spcBef>
-              <a:spcAft>
-                <a:spcPct val="0"/>
-              </a:spcAft>
-              <a:buClrTx/>
-              <a:buSzTx/>
-              <a:buFontTx/>
-              <a:buNone/>
-              <a:tabLst/>
-            </a:pPr>
-            <a:r>
-              <a:rPr kumimoji="0" lang="es-ES" sz="2000" b="0" i="0" u="none" strike="noStrike" cap="none" normalizeH="0" baseline="0" dirty="0" err="1" smtClean="0">
-                <a:ln>
-                  <a:noFill/>
-                </a:ln>
-                <a:solidFill>
-                  <a:schemeClr val="tx1"/>
-                </a:solidFill>
-                <a:effectLst/>
-                <a:latin typeface="Arial Unicode MS" panose="020B0604020202020204" pitchFamily="34" charset="-128"/>
-              </a:rPr>
-              <a:t>df.tail</a:t>
-            </a:r>
-            <a:r>
-              <a:rPr kumimoji="0" lang="es-ES" sz="2000" b="0" i="0" u="none" strike="noStrike" cap="none" normalizeH="0" baseline="0" dirty="0" smtClean="0">
-                <a:ln>
-                  <a:noFill/>
-                </a:ln>
-                <a:solidFill>
-                  <a:schemeClr val="tx1"/>
-                </a:solidFill>
-                <a:effectLst/>
-                <a:latin typeface="Arial Unicode MS" panose="020B0604020202020204" pitchFamily="34" charset="-128"/>
-              </a:rPr>
-              <a:t>(5)</a:t>
-            </a:r>
-            <a:r>
-              <a:rPr kumimoji="0" lang="es-ES" sz="2000" b="0" i="0" u="none" strike="noStrike" cap="none" normalizeH="0" baseline="0" dirty="0" smtClean="0">
-                <a:ln>
-                  <a:noFill/>
-                </a:ln>
-                <a:solidFill>
-                  <a:schemeClr val="tx1"/>
-                </a:solidFill>
-                <a:effectLst/>
-              </a:rPr>
-              <a:t> </a:t>
-            </a:r>
-          </a:p>
-        </p:txBody>
-      </p:sp>
-      <p:sp>
-        <p:nvSpPr>
-          <p:cNvPr id="6" name="Rectangle 3"/>
-          <p:cNvSpPr>
-            <a:spLocks noChangeArrowheads="1"/>
-          </p:cNvSpPr>
-          <p:nvPr/>
-        </p:nvSpPr>
-        <p:spPr bwMode="auto">
-          <a:xfrm>
-            <a:off x="6409648" y="1362403"/>
-            <a:ext cx="6122189" cy="800219"/>
-          </a:xfrm>
-          <a:prstGeom prst="rect">
-            <a:avLst/>
-          </a:prstGeom>
-          <a:noFill/>
-          <a:ln>
-            <a:noFill/>
-          </a:ln>
-          <a:effectLst/>
-          <a:extLst>
-            <a:ext uri="{909E8E84-426E-40DD-AFC4-6F175D3DCCD1}">
-              <a14:hiddenFill xmlns:a14="http://schemas.microsoft.com/office/drawing/2010/main">
-                <a:solidFill>
-                  <a:schemeClr val="accent1"/>
-                </a:solidFill>
-              </a14:hiddenFill>
-            </a:ext>
-            <a:ext uri="{91240B29-F687-4F45-9708-019B960494DF}">
-              <a14:hiddenLine xmlns:a14="http://schemas.microsoft.com/office/drawing/2010/main" w="9525">
-                <a:solidFill>
-                  <a:schemeClr val="tx1"/>
-                </a:solidFill>
-                <a:miter lim="800000"/>
-                <a:headEnd/>
-                <a:tailEnd/>
-              </a14:hiddenLine>
-            </a:ext>
-            <a:ext uri="{AF507438-7753-43E0-B8FC-AC1667EBCBE1}">
-              <a14:hiddenEffects xmlns:a14="http://schemas.microsoft.com/office/drawing/2010/main">
-                <a:effectLst>
-                  <a:outerShdw dist="35921" dir="2700000" algn="ctr" rotWithShape="0">
-                    <a:schemeClr val="bg2"/>
-                  </a:outerShdw>
-                </a:effectLst>
-              </a14:hiddenEffects>
-            </a:ext>
-          </a:extLst>
-        </p:spPr>
-        <p:txBody>
-          <a:bodyPr vert="horz" wrap="none" lIns="91440" tIns="45720" rIns="91440" bIns="45720" numCol="1" anchor="ctr" anchorCtr="0" compatLnSpc="1">
-            <a:prstTxWarp prst="textNoShape">
-              <a:avLst/>
-            </a:prstTxWarp>
-            <a:spAutoFit/>
-          </a:bodyPr>
-          <a:lstStyle>
-            <a:lvl1pPr eaLnBrk="0" fontAlgn="base" hangingPunct="0">
-              <a:spcBef>
-                <a:spcPct val="30000"/>
-              </a:spcBef>
-              <a:spcAft>
-                <a:spcPct val="0"/>
-              </a:spcAft>
-              <a:defRPr sz="1200">
-                <a:solidFill>
-                  <a:schemeClr val="tx1"/>
-                </a:solidFill>
-                <a:latin typeface="Arial" panose="020B0604020202020204" pitchFamily="34" charset="0"/>
-              </a:defRPr>
-            </a:lvl1pPr>
-            <a:lvl2pPr eaLnBrk="0" fontAlgn="base" hangingPunct="0">
-              <a:spcBef>
-                <a:spcPct val="30000"/>
-              </a:spcBef>
-              <a:spcAft>
-                <a:spcPct val="0"/>
-              </a:spcAft>
-              <a:defRPr sz="1200">
-                <a:solidFill>
-                  <a:schemeClr val="tx1"/>
-                </a:solidFill>
-                <a:latin typeface="Arial" panose="020B0604020202020204" pitchFamily="34" charset="0"/>
-              </a:defRPr>
-            </a:lvl2pPr>
-            <a:lvl3pPr eaLnBrk="0" fontAlgn="base" hangingPunct="0">
-              <a:spcBef>
-                <a:spcPct val="30000"/>
-              </a:spcBef>
-              <a:spcAft>
-                <a:spcPct val="0"/>
-              </a:spcAft>
-              <a:defRPr sz="1200">
-                <a:solidFill>
-                  <a:schemeClr val="tx1"/>
-                </a:solidFill>
-                <a:latin typeface="Arial" panose="020B0604020202020204" pitchFamily="34" charset="0"/>
-              </a:defRPr>
-            </a:lvl3pPr>
-            <a:lvl4pPr eaLnBrk="0" fontAlgn="base" hangingPunct="0">
-              <a:spcBef>
-                <a:spcPct val="30000"/>
-              </a:spcBef>
-              <a:spcAft>
-                <a:spcPct val="0"/>
-              </a:spcAft>
-              <a:defRPr sz="1200">
-                <a:solidFill>
-                  <a:schemeClr val="tx1"/>
-                </a:solidFill>
-                <a:latin typeface="Arial" panose="020B0604020202020204" pitchFamily="34" charset="0"/>
-              </a:defRPr>
-            </a:lvl4pPr>
-            <a:lvl5pPr eaLnBrk="0" fontAlgn="base" hangingPunct="0">
-              <a:spcBef>
-                <a:spcPct val="30000"/>
-              </a:spcBef>
-              <a:spcAft>
-                <a:spcPct val="0"/>
-              </a:spcAft>
-              <a:defRPr sz="1200">
-                <a:solidFill>
-                  <a:schemeClr val="tx1"/>
-                </a:solidFill>
-                <a:latin typeface="Arial" panose="020B0604020202020204" pitchFamily="34" charset="0"/>
-              </a:defRPr>
-            </a:lvl5pPr>
-            <a:lvl6pPr eaLnBrk="0" fontAlgn="base" hangingPunct="0">
-              <a:spcBef>
-                <a:spcPct val="30000"/>
-              </a:spcBef>
-              <a:spcAft>
-                <a:spcPct val="0"/>
-              </a:spcAft>
-              <a:defRPr sz="1200">
-                <a:solidFill>
-                  <a:schemeClr val="tx1"/>
-                </a:solidFill>
-                <a:latin typeface="Arial" panose="020B0604020202020204" pitchFamily="34" charset="0"/>
-              </a:defRPr>
-            </a:lvl6pPr>
-            <a:lvl7pPr eaLnBrk="0" fontAlgn="base" hangingPunct="0">
-              <a:spcBef>
-                <a:spcPct val="30000"/>
-              </a:spcBef>
-              <a:spcAft>
-                <a:spcPct val="0"/>
-              </a:spcAft>
-              <a:defRPr sz="1200">
-                <a:solidFill>
-                  <a:schemeClr val="tx1"/>
-                </a:solidFill>
-                <a:latin typeface="Arial" panose="020B0604020202020204" pitchFamily="34" charset="0"/>
-              </a:defRPr>
-            </a:lvl7pPr>
-            <a:lvl8pPr eaLnBrk="0" fontAlgn="base" hangingPunct="0">
-              <a:spcBef>
-                <a:spcPct val="30000"/>
-              </a:spcBef>
-              <a:spcAft>
-                <a:spcPct val="0"/>
-              </a:spcAft>
-              <a:defRPr sz="1200">
-                <a:solidFill>
-                  <a:schemeClr val="tx1"/>
-                </a:solidFill>
-                <a:latin typeface="Arial" panose="020B0604020202020204" pitchFamily="34" charset="0"/>
-              </a:defRPr>
-            </a:lvl8pPr>
-            <a:lvl9pPr eaLnBrk="0" fontAlgn="base" hangingPunct="0">
-              <a:spcBef>
-                <a:spcPct val="30000"/>
-              </a:spcBef>
-              <a:spcAft>
-                <a:spcPct val="0"/>
-              </a:spcAft>
-              <a:defRPr sz="1200">
-                <a:solidFill>
-                  <a:schemeClr val="tx1"/>
-                </a:solidFill>
-                <a:latin typeface="Arial" panose="020B0604020202020204" pitchFamily="34" charset="0"/>
-              </a:defRPr>
-            </a:lvl9pPr>
-          </a:lstStyle>
-          <a:p>
-            <a:pPr marL="0" marR="0" lvl="0" indent="0" algn="l" defTabSz="914400" rtl="0" eaLnBrk="0" fontAlgn="base" latinLnBrk="0" hangingPunct="0">
-              <a:lnSpc>
-                <a:spcPct val="100000"/>
-              </a:lnSpc>
-              <a:spcBef>
-                <a:spcPct val="30000"/>
-              </a:spcBef>
-              <a:spcAft>
-                <a:spcPct val="0"/>
-              </a:spcAft>
-              <a:buClrTx/>
-              <a:buSzTx/>
-              <a:buFontTx/>
-              <a:buNone/>
-              <a:tabLst/>
-            </a:pPr>
-            <a:r>
-              <a:rPr kumimoji="0" lang="es-ES" sz="2000" b="1" i="0" u="none" strike="noStrike" cap="none" normalizeH="0" baseline="0" dirty="0" smtClean="0">
-                <a:ln>
-                  <a:noFill/>
-                </a:ln>
-                <a:solidFill>
-                  <a:schemeClr val="tx1"/>
-                </a:solidFill>
-                <a:effectLst/>
-              </a:rPr>
-              <a:t>Recuperar el número de filas y columnas </a:t>
-            </a:r>
-            <a:r>
-              <a:rPr kumimoji="0" lang="es-ES" sz="2000" b="0" i="0" u="none" strike="noStrike" cap="none" normalizeH="0" baseline="0" dirty="0" smtClean="0">
-                <a:ln>
-                  <a:noFill/>
-                </a:ln>
-                <a:solidFill>
-                  <a:schemeClr val="tx1"/>
-                </a:solidFill>
-                <a:effectLst/>
-              </a:rPr>
-              <a:t>(</a:t>
-            </a:r>
-            <a:r>
-              <a:rPr kumimoji="0" lang="es-ES" sz="2000" b="0" i="0" u="none" strike="noStrike" cap="none" normalizeH="0" baseline="0" dirty="0" err="1" smtClean="0">
-                <a:ln>
-                  <a:noFill/>
-                </a:ln>
-                <a:solidFill>
-                  <a:schemeClr val="tx1"/>
-                </a:solidFill>
-                <a:effectLst/>
-              </a:rPr>
-              <a:t>shape</a:t>
-            </a:r>
-            <a:r>
-              <a:rPr kumimoji="0" lang="es-ES" sz="2000" b="0" i="0" u="none" strike="noStrike" cap="none" normalizeH="0" baseline="0" dirty="0" smtClean="0">
-                <a:ln>
-                  <a:noFill/>
-                </a:ln>
-                <a:solidFill>
-                  <a:schemeClr val="tx1"/>
-                </a:solidFill>
-                <a:effectLst/>
-              </a:rPr>
-              <a:t>)</a:t>
-            </a:r>
-          </a:p>
-          <a:p>
-            <a:pPr marL="0" marR="0" lvl="0" indent="0" algn="l" defTabSz="914400" rtl="0" eaLnBrk="0" fontAlgn="base" latinLnBrk="0" hangingPunct="0">
-              <a:lnSpc>
-                <a:spcPct val="100000"/>
-              </a:lnSpc>
-              <a:spcBef>
-                <a:spcPct val="30000"/>
-              </a:spcBef>
-              <a:spcAft>
-                <a:spcPct val="0"/>
-              </a:spcAft>
-              <a:buClrTx/>
-              <a:buSzTx/>
-              <a:buFontTx/>
-              <a:buNone/>
-              <a:tabLst/>
-            </a:pPr>
-            <a:r>
-              <a:rPr kumimoji="0" lang="es-ES" sz="2000" b="0" i="0" u="none" strike="noStrike" cap="none" normalizeH="0" baseline="0" dirty="0" err="1" smtClean="0">
-                <a:ln>
-                  <a:noFill/>
-                </a:ln>
-                <a:solidFill>
-                  <a:schemeClr val="tx1"/>
-                </a:solidFill>
-                <a:effectLst/>
-              </a:rPr>
-              <a:t>df.shape</a:t>
-            </a:r>
-            <a:r>
-              <a:rPr kumimoji="0" lang="es-ES" sz="2000" b="0" i="0" u="none" strike="noStrike" cap="none" normalizeH="0" baseline="0" dirty="0" smtClean="0">
-                <a:ln>
-                  <a:noFill/>
-                </a:ln>
-                <a:solidFill>
-                  <a:schemeClr val="tx1"/>
-                </a:solidFill>
-                <a:effectLst/>
-              </a:rPr>
-              <a:t> </a:t>
-            </a:r>
-          </a:p>
-        </p:txBody>
-      </p:sp>
-      <p:sp>
-        <p:nvSpPr>
-          <p:cNvPr id="7" name="Rectangle 3"/>
-          <p:cNvSpPr>
-            <a:spLocks noChangeArrowheads="1"/>
-          </p:cNvSpPr>
-          <p:nvPr/>
-        </p:nvSpPr>
-        <p:spPr bwMode="auto">
-          <a:xfrm>
-            <a:off x="1244595" y="2952631"/>
-            <a:ext cx="4020652" cy="1600438"/>
-          </a:xfrm>
-          <a:prstGeom prst="rect">
-            <a:avLst/>
-          </a:prstGeom>
-          <a:noFill/>
-          <a:ln>
-            <a:noFill/>
-          </a:ln>
-          <a:effectLst/>
-          <a:extLst>
-            <a:ext uri="{909E8E84-426E-40DD-AFC4-6F175D3DCCD1}">
-              <a14:hiddenFill xmlns:a14="http://schemas.microsoft.com/office/drawing/2010/main">
-                <a:solidFill>
-                  <a:schemeClr val="accent1"/>
-                </a:solidFill>
-              </a14:hiddenFill>
-            </a:ext>
-            <a:ext uri="{91240B29-F687-4F45-9708-019B960494DF}">
-              <a14:hiddenLine xmlns:a14="http://schemas.microsoft.com/office/drawing/2010/main" w="9525">
-                <a:solidFill>
-                  <a:schemeClr val="tx1"/>
-                </a:solidFill>
-                <a:miter lim="800000"/>
-                <a:headEnd/>
-                <a:tailEnd/>
-              </a14:hiddenLine>
-            </a:ext>
-            <a:ext uri="{AF507438-7753-43E0-B8FC-AC1667EBCBE1}">
-              <a14:hiddenEffects xmlns:a14="http://schemas.microsoft.com/office/drawing/2010/main">
-                <a:effectLst>
-                  <a:outerShdw dist="35921" dir="2700000" algn="ctr" rotWithShape="0">
-                    <a:schemeClr val="bg2"/>
-                  </a:outerShdw>
-                </a:effectLst>
-              </a14:hiddenEffects>
-            </a:ext>
-          </a:extLst>
-        </p:spPr>
-        <p:txBody>
-          <a:bodyPr vert="horz" wrap="none" lIns="91440" tIns="45720" rIns="91440" bIns="45720" numCol="1" anchor="ctr" anchorCtr="0" compatLnSpc="1">
-            <a:prstTxWarp prst="textNoShape">
-              <a:avLst/>
-            </a:prstTxWarp>
-            <a:spAutoFit/>
-          </a:bodyPr>
-          <a:lstStyle>
-            <a:lvl1pPr eaLnBrk="0" fontAlgn="base" hangingPunct="0">
-              <a:spcBef>
-                <a:spcPct val="30000"/>
-              </a:spcBef>
-              <a:spcAft>
-                <a:spcPct val="0"/>
-              </a:spcAft>
-              <a:defRPr sz="1200">
-                <a:solidFill>
-                  <a:schemeClr val="tx1"/>
-                </a:solidFill>
-                <a:latin typeface="Arial" panose="020B0604020202020204" pitchFamily="34" charset="0"/>
-              </a:defRPr>
-            </a:lvl1pPr>
-            <a:lvl2pPr eaLnBrk="0" fontAlgn="base" hangingPunct="0">
-              <a:spcBef>
-                <a:spcPct val="30000"/>
-              </a:spcBef>
-              <a:spcAft>
-                <a:spcPct val="0"/>
-              </a:spcAft>
-              <a:defRPr sz="1200">
-                <a:solidFill>
-                  <a:schemeClr val="tx1"/>
-                </a:solidFill>
-                <a:latin typeface="Arial" panose="020B0604020202020204" pitchFamily="34" charset="0"/>
-              </a:defRPr>
-            </a:lvl2pPr>
-            <a:lvl3pPr eaLnBrk="0" fontAlgn="base" hangingPunct="0">
-              <a:spcBef>
-                <a:spcPct val="30000"/>
-              </a:spcBef>
-              <a:spcAft>
-                <a:spcPct val="0"/>
-              </a:spcAft>
-              <a:defRPr sz="1200">
-                <a:solidFill>
-                  <a:schemeClr val="tx1"/>
-                </a:solidFill>
-                <a:latin typeface="Arial" panose="020B0604020202020204" pitchFamily="34" charset="0"/>
-              </a:defRPr>
-            </a:lvl3pPr>
-            <a:lvl4pPr eaLnBrk="0" fontAlgn="base" hangingPunct="0">
-              <a:spcBef>
-                <a:spcPct val="30000"/>
-              </a:spcBef>
-              <a:spcAft>
-                <a:spcPct val="0"/>
-              </a:spcAft>
-              <a:defRPr sz="1200">
-                <a:solidFill>
-                  <a:schemeClr val="tx1"/>
-                </a:solidFill>
-                <a:latin typeface="Arial" panose="020B0604020202020204" pitchFamily="34" charset="0"/>
-              </a:defRPr>
-            </a:lvl4pPr>
-            <a:lvl5pPr eaLnBrk="0" fontAlgn="base" hangingPunct="0">
-              <a:spcBef>
-                <a:spcPct val="30000"/>
-              </a:spcBef>
-              <a:spcAft>
-                <a:spcPct val="0"/>
-              </a:spcAft>
-              <a:defRPr sz="1200">
-                <a:solidFill>
-                  <a:schemeClr val="tx1"/>
-                </a:solidFill>
-                <a:latin typeface="Arial" panose="020B0604020202020204" pitchFamily="34" charset="0"/>
-              </a:defRPr>
-            </a:lvl5pPr>
-            <a:lvl6pPr eaLnBrk="0" fontAlgn="base" hangingPunct="0">
-              <a:spcBef>
-                <a:spcPct val="30000"/>
-              </a:spcBef>
-              <a:spcAft>
-                <a:spcPct val="0"/>
-              </a:spcAft>
-              <a:defRPr sz="1200">
-                <a:solidFill>
-                  <a:schemeClr val="tx1"/>
-                </a:solidFill>
-                <a:latin typeface="Arial" panose="020B0604020202020204" pitchFamily="34" charset="0"/>
-              </a:defRPr>
-            </a:lvl6pPr>
-            <a:lvl7pPr eaLnBrk="0" fontAlgn="base" hangingPunct="0">
-              <a:spcBef>
-                <a:spcPct val="30000"/>
-              </a:spcBef>
-              <a:spcAft>
-                <a:spcPct val="0"/>
-              </a:spcAft>
-              <a:defRPr sz="1200">
-                <a:solidFill>
-                  <a:schemeClr val="tx1"/>
-                </a:solidFill>
-                <a:latin typeface="Arial" panose="020B0604020202020204" pitchFamily="34" charset="0"/>
-              </a:defRPr>
-            </a:lvl7pPr>
-            <a:lvl8pPr eaLnBrk="0" fontAlgn="base" hangingPunct="0">
-              <a:spcBef>
-                <a:spcPct val="30000"/>
-              </a:spcBef>
-              <a:spcAft>
-                <a:spcPct val="0"/>
-              </a:spcAft>
-              <a:defRPr sz="1200">
-                <a:solidFill>
-                  <a:schemeClr val="tx1"/>
-                </a:solidFill>
-                <a:latin typeface="Arial" panose="020B0604020202020204" pitchFamily="34" charset="0"/>
-              </a:defRPr>
-            </a:lvl8pPr>
-            <a:lvl9pPr eaLnBrk="0" fontAlgn="base" hangingPunct="0">
-              <a:spcBef>
-                <a:spcPct val="30000"/>
-              </a:spcBef>
-              <a:spcAft>
-                <a:spcPct val="0"/>
-              </a:spcAft>
-              <a:defRPr sz="1200">
-                <a:solidFill>
-                  <a:schemeClr val="tx1"/>
-                </a:solidFill>
-                <a:latin typeface="Arial" panose="020B0604020202020204" pitchFamily="34" charset="0"/>
-              </a:defRPr>
-            </a:lvl9pPr>
-          </a:lstStyle>
-          <a:p>
-            <a:pPr marL="0" marR="0" lvl="0" indent="0" algn="l" defTabSz="914400" rtl="0" eaLnBrk="0" fontAlgn="base" latinLnBrk="0" hangingPunct="0">
-              <a:lnSpc>
-                <a:spcPct val="100000"/>
-              </a:lnSpc>
-              <a:spcBef>
-                <a:spcPct val="30000"/>
-              </a:spcBef>
-              <a:spcAft>
-                <a:spcPct val="0"/>
-              </a:spcAft>
-              <a:buClrTx/>
-              <a:buSzTx/>
-              <a:buFontTx/>
-              <a:buNone/>
-              <a:tabLst/>
-            </a:pPr>
-            <a:r>
-              <a:rPr kumimoji="0" lang="es-ES" sz="2000" b="1" i="0" u="none" strike="noStrike" cap="none" normalizeH="0" baseline="0" dirty="0" smtClean="0">
-                <a:ln>
-                  <a:noFill/>
-                </a:ln>
-                <a:solidFill>
-                  <a:schemeClr val="tx1"/>
-                </a:solidFill>
-                <a:effectLst/>
-              </a:rPr>
-              <a:t>Información general</a:t>
-            </a:r>
-            <a:endParaRPr kumimoji="0" lang="es-ES" sz="2000" b="0" i="0" u="none" strike="noStrike" cap="none" normalizeH="0" baseline="0" dirty="0" smtClean="0">
-              <a:ln>
-                <a:noFill/>
-              </a:ln>
-              <a:solidFill>
-                <a:schemeClr val="tx1"/>
-              </a:solidFill>
-              <a:effectLst/>
-            </a:endParaRPr>
-          </a:p>
-          <a:p>
-            <a:pPr marL="0" marR="0" lvl="0" indent="0" algn="l" defTabSz="914400" rtl="0" eaLnBrk="0" fontAlgn="base" latinLnBrk="0" hangingPunct="0">
-              <a:lnSpc>
-                <a:spcPct val="100000"/>
-              </a:lnSpc>
-              <a:spcBef>
-                <a:spcPct val="30000"/>
-              </a:spcBef>
-              <a:spcAft>
-                <a:spcPct val="0"/>
-              </a:spcAft>
-              <a:buClrTx/>
-              <a:buSzTx/>
-              <a:buFontTx/>
-              <a:buNone/>
-              <a:tabLst/>
-            </a:pPr>
-            <a:r>
-              <a:rPr kumimoji="0" lang="es-ES" sz="2000" b="0" i="0" u="none" strike="noStrike" cap="none" normalizeH="0" baseline="0" dirty="0" smtClean="0">
-                <a:ln>
-                  <a:noFill/>
-                </a:ln>
-                <a:solidFill>
-                  <a:schemeClr val="tx1"/>
-                </a:solidFill>
-                <a:effectLst/>
-              </a:rPr>
-              <a:t>df.info() -&gt; tipos de</a:t>
-            </a:r>
-            <a:r>
-              <a:rPr kumimoji="0" lang="es-ES" sz="2000" b="0" i="0" u="none" strike="noStrike" cap="none" normalizeH="0" dirty="0" smtClean="0">
-                <a:ln>
-                  <a:noFill/>
-                </a:ln>
-                <a:solidFill>
-                  <a:schemeClr val="tx1"/>
-                </a:solidFill>
-                <a:effectLst/>
-              </a:rPr>
-              <a:t> datos</a:t>
-            </a:r>
-            <a:endParaRPr kumimoji="0" lang="es-ES" sz="2000" b="0" i="0" u="none" strike="noStrike" cap="none" normalizeH="0" baseline="0" dirty="0" smtClean="0">
-              <a:ln>
-                <a:noFill/>
-              </a:ln>
-              <a:solidFill>
-                <a:schemeClr val="tx1"/>
-              </a:solidFill>
-              <a:effectLst/>
-            </a:endParaRPr>
-          </a:p>
-          <a:p>
-            <a:pPr marL="0" marR="0" lvl="0" indent="0" algn="l" defTabSz="914400" rtl="0" eaLnBrk="0" fontAlgn="base" latinLnBrk="0" hangingPunct="0">
-              <a:lnSpc>
-                <a:spcPct val="100000"/>
-              </a:lnSpc>
-              <a:spcBef>
-                <a:spcPct val="30000"/>
-              </a:spcBef>
-              <a:spcAft>
-                <a:spcPct val="0"/>
-              </a:spcAft>
-              <a:buClrTx/>
-              <a:buSzTx/>
-              <a:buFontTx/>
-              <a:buNone/>
-              <a:tabLst/>
-            </a:pPr>
-            <a:r>
-              <a:rPr lang="es-ES" sz="2000" dirty="0" err="1"/>
-              <a:t>d</a:t>
-            </a:r>
-            <a:r>
-              <a:rPr lang="es-ES" sz="2000" dirty="0" err="1" smtClean="0"/>
-              <a:t>f.describe</a:t>
-            </a:r>
-            <a:r>
-              <a:rPr lang="es-ES" sz="2000" dirty="0" smtClean="0"/>
-              <a:t>() -&gt; estadística básica</a:t>
-            </a:r>
-          </a:p>
-          <a:p>
-            <a:pPr marL="0" marR="0" lvl="0" indent="0" algn="l" defTabSz="914400" rtl="0" eaLnBrk="0" fontAlgn="base" latinLnBrk="0" hangingPunct="0">
-              <a:lnSpc>
-                <a:spcPct val="100000"/>
-              </a:lnSpc>
-              <a:spcBef>
-                <a:spcPct val="30000"/>
-              </a:spcBef>
-              <a:spcAft>
-                <a:spcPct val="0"/>
-              </a:spcAft>
-              <a:buClrTx/>
-              <a:buSzTx/>
-              <a:buFontTx/>
-              <a:buNone/>
-              <a:tabLst/>
-            </a:pPr>
-            <a:r>
-              <a:rPr kumimoji="0" lang="es-ES" sz="2000" b="0" i="0" u="none" strike="noStrike" cap="none" normalizeH="0" baseline="0" dirty="0" smtClean="0">
-                <a:ln>
-                  <a:noFill/>
-                </a:ln>
-                <a:solidFill>
-                  <a:schemeClr val="tx1"/>
-                </a:solidFill>
-                <a:effectLst/>
-              </a:rPr>
-              <a:t> </a:t>
-            </a:r>
           </a:p>
         </p:txBody>
       </p:sp>
@@ -14274,15 +12778,7 @@
             </a:r>
             <a:r>
               <a:rPr lang="en-US" dirty="0" smtClean="0"/>
-              <a:t> </a:t>
-            </a:r>
-            <a:r>
-              <a:rPr lang="en-US" u="sng" dirty="0" smtClean="0"/>
-              <a:t>para</a:t>
-            </a:r>
-            <a:r>
-              <a:rPr lang="en-US" dirty="0" smtClean="0"/>
-              <a:t> </a:t>
+              <a:t> para </a:t>
             </a:r>
             <a:r>
               <a:rPr lang="en-US" dirty="0" err="1" smtClean="0"/>
@@ -14817,34 +13313,34 @@
           <a:lstStyle/>
           <a:p>
             <a:r>
-              <a:rPr lang="en-US" u="sng" dirty="0" err="1" smtClean="0"/>
+              <a:rPr lang="en-US" dirty="0" err="1" smtClean="0"/>
               <a:t>Selección</a:t>
             </a:r>
             <a:r>
-              <a:rPr lang="en-US" u="sng" dirty="0" smtClean="0"/>
-              <a:t> </a:t>
-            </a:r>
-            <a:r>
-              <a:rPr lang="en-US" b="1" u="sng" dirty="0" err="1" smtClean="0"/>
+              <a:rPr lang="en-US" dirty="0" smtClean="0"/>
+              <a:t> </a:t>
+            </a:r>
+            <a:r>
+              <a:rPr lang="en-US" b="1" dirty="0" err="1" smtClean="0"/>
               <a:t>por</a:t>
             </a:r>
             <a:r>
-              <a:rPr lang="en-US" b="1" u="sng" dirty="0" smtClean="0"/>
-              <a:t> </a:t>
-            </a:r>
-            <a:r>
-              <a:rPr lang="en-US" b="1" u="sng" dirty="0" err="1" smtClean="0"/>
+              <a:rPr lang="en-US" b="1" dirty="0" smtClean="0"/>
+              <a:t> </a:t>
+            </a:r>
+            <a:r>
+              <a:rPr lang="en-US" b="1" dirty="0" err="1" smtClean="0"/>
               <a:t>tipo</a:t>
             </a:r>
             <a:r>
-              <a:rPr lang="en-US" b="1" u="sng" dirty="0" smtClean="0"/>
+              <a:rPr lang="en-US" b="1" dirty="0" smtClean="0"/>
               <a:t> de </a:t>
             </a:r>
             <a:r>
-              <a:rPr lang="en-US" b="1" u="sng" dirty="0" err="1" smtClean="0"/>
+              <a:rPr lang="en-US" b="1" dirty="0" err="1" smtClean="0"/>
               <a:t>dato</a:t>
             </a:r>
-            <a:endParaRPr lang="en-US" u="sng" dirty="0"/>
+            <a:endParaRPr lang="en-US" dirty="0"/>
           </a:p>
         </p:txBody>
       </p:sp>
@@ -15825,7 +14321,7 @@
             </a:r>
             <a:r>
               <a:rPr lang="en-US" b="1" dirty="0" err="1" smtClean="0"/>
-              <a:t>neuevas</a:t>
+              <a:t>nuevas</a:t>
             </a:r>
             <a:r>
               <a:rPr lang="en-US" b="1" dirty="0" smtClean="0"/>
@@ -16564,13 +15060,7 @@
               <a:rPr lang="es-ES" sz="3200" dirty="0" smtClean="0">
                 <a:latin typeface="Arial Black" panose="020B0A04020102020204" pitchFamily="34" charset="0"/>
               </a:rPr>
-              <a:t>10</a:t>
-            </a:r>
-            <a:r>
-              <a:rPr lang="es-ES" sz="3200" dirty="0" smtClean="0">
-                <a:latin typeface="Arial Black" panose="020B0A04020102020204" pitchFamily="34" charset="0"/>
-              </a:rPr>
-              <a:t> – </a:t>
+              <a:t>10 – </a:t>
             </a:r>
             <a:r>
               <a:rPr lang="es-ES" sz="3200" dirty="0" err="1" smtClean="0">
@@ -16778,13 +15268,7 @@
               <a:rPr lang="es-ES" sz="3200" dirty="0" smtClean="0">
                 <a:latin typeface="Arial Black" panose="020B0A04020102020204" pitchFamily="34" charset="0"/>
               </a:rPr>
-              <a:t>11</a:t>
-            </a:r>
-            <a:r>
-              <a:rPr lang="es-ES" sz="3200" dirty="0" smtClean="0">
-                <a:latin typeface="Arial Black" panose="020B0A04020102020204" pitchFamily="34" charset="0"/>
-              </a:rPr>
-              <a:t> – Combinando </a:t>
+              <a:t>11 – Combinando </a:t>
             </a:r>
             <a:r>
               <a:rPr lang="es-ES" sz="3200" dirty="0" err="1" smtClean="0">
@@ -16984,13 +15468,7 @@
               <a:rPr lang="es-ES" sz="3200" dirty="0" smtClean="0">
                 <a:latin typeface="Arial Black" panose="020B0A04020102020204" pitchFamily="34" charset="0"/>
               </a:rPr>
-              <a:t>11</a:t>
-            </a:r>
-            <a:r>
-              <a:rPr lang="es-ES" sz="3200" dirty="0" smtClean="0">
-                <a:latin typeface="Arial Black" panose="020B0A04020102020204" pitchFamily="34" charset="0"/>
-              </a:rPr>
-              <a:t> – Combinando </a:t>
+              <a:t>11 – Combinando </a:t>
             </a:r>
             <a:r>
               <a:rPr lang="es-ES" sz="3200" dirty="0" err="1" smtClean="0">
@@ -17312,13 +15790,7 @@
               <a:rPr lang="es-ES" sz="3200" dirty="0" smtClean="0">
                 <a:latin typeface="Arial Black" panose="020B0A04020102020204" pitchFamily="34" charset="0"/>
               </a:rPr>
-              <a:t>12</a:t>
-            </a:r>
-            <a:r>
-              <a:rPr lang="es-ES" sz="3200" dirty="0" smtClean="0">
-                <a:latin typeface="Arial Black" panose="020B0A04020102020204" pitchFamily="34" charset="0"/>
-              </a:rPr>
-              <a:t> – </a:t>
+              <a:t>12 – </a:t>
             </a:r>
             <a:r>
               <a:rPr lang="es-ES" sz="3200" dirty="0" err="1" smtClean="0">
@@ -17764,11 +16236,11 @@
   <p:clrMapOvr>
     <a:masterClrMapping/>
   </p:clrMapOvr>
-  <mc:AlternateContent xmlns:mc="http://schemas.openxmlformats.org/markup-compatibility/2006">
-    <mc:Choice xmlns:p14="http://schemas.microsoft.com/office/powerpoint/2010/main" Requires="p14">
+  <mc:AlternateContent xmlns:mc="http://schemas.openxmlformats.org/markup-compatibility/2006" xmlns:p14="http://schemas.microsoft.com/office/powerpoint/2010/main">
+    <mc:Choice Requires="p14">
       <p:transition spd="slow" p14:dur="2000"/>
     </mc:Choice>
-    <mc:Fallback>
+    <mc:Fallback xmlns="">
       <p:transition spd="slow"/>
     </mc:Fallback>
   </mc:AlternateContent>
@@ -17825,13 +16297,7 @@
               <a:rPr lang="es-ES" sz="3200" dirty="0" smtClean="0">
                 <a:latin typeface="Arial Black" panose="020B0A04020102020204" pitchFamily="34" charset="0"/>
               </a:rPr>
-              <a:t>12</a:t>
-            </a:r>
-            <a:r>
-              <a:rPr lang="es-ES" sz="3200" dirty="0" smtClean="0">
-                <a:latin typeface="Arial Black" panose="020B0A04020102020204" pitchFamily="34" charset="0"/>
-              </a:rPr>
-              <a:t> – </a:t>
+              <a:t>12 – </a:t>
             </a:r>
             <a:r>
               <a:rPr lang="es-ES" sz="3200" dirty="0" err="1" smtClean="0">
